--- a/teaching/21F-3110/slides/3110-lecture 11-Sorting.pptx
+++ b/teaching/21F-3110/slides/3110-lecture 11-Sorting.pptx
@@ -5,7 +5,7 @@
     <p:sldMasterId id="2147483660" r:id="rId1"/>
   </p:sldMasterIdLst>
   <p:notesMasterIdLst>
-    <p:notesMasterId r:id="rId54"/>
+    <p:notesMasterId r:id="rId53"/>
   </p:notesMasterIdLst>
   <p:sldIdLst>
     <p:sldId id="256" r:id="rId2"/>
@@ -35,31 +35,30 @@
     <p:sldId id="569" r:id="rId26"/>
     <p:sldId id="570" r:id="rId27"/>
     <p:sldId id="571" r:id="rId28"/>
-    <p:sldId id="573" r:id="rId29"/>
-    <p:sldId id="572" r:id="rId30"/>
-    <p:sldId id="574" r:id="rId31"/>
-    <p:sldId id="575" r:id="rId32"/>
-    <p:sldId id="578" r:id="rId33"/>
-    <p:sldId id="580" r:id="rId34"/>
-    <p:sldId id="582" r:id="rId35"/>
-    <p:sldId id="583" r:id="rId36"/>
-    <p:sldId id="581" r:id="rId37"/>
-    <p:sldId id="584" r:id="rId38"/>
-    <p:sldId id="585" r:id="rId39"/>
-    <p:sldId id="586" r:id="rId40"/>
-    <p:sldId id="587" r:id="rId41"/>
-    <p:sldId id="588" r:id="rId42"/>
-    <p:sldId id="589" r:id="rId43"/>
-    <p:sldId id="590" r:id="rId44"/>
-    <p:sldId id="591" r:id="rId45"/>
-    <p:sldId id="592" r:id="rId46"/>
-    <p:sldId id="593" r:id="rId47"/>
-    <p:sldId id="594" r:id="rId48"/>
-    <p:sldId id="595" r:id="rId49"/>
-    <p:sldId id="596" r:id="rId50"/>
-    <p:sldId id="597" r:id="rId51"/>
-    <p:sldId id="598" r:id="rId52"/>
-    <p:sldId id="292" r:id="rId53"/>
+    <p:sldId id="572" r:id="rId29"/>
+    <p:sldId id="574" r:id="rId30"/>
+    <p:sldId id="575" r:id="rId31"/>
+    <p:sldId id="578" r:id="rId32"/>
+    <p:sldId id="580" r:id="rId33"/>
+    <p:sldId id="582" r:id="rId34"/>
+    <p:sldId id="583" r:id="rId35"/>
+    <p:sldId id="581" r:id="rId36"/>
+    <p:sldId id="584" r:id="rId37"/>
+    <p:sldId id="585" r:id="rId38"/>
+    <p:sldId id="586" r:id="rId39"/>
+    <p:sldId id="587" r:id="rId40"/>
+    <p:sldId id="588" r:id="rId41"/>
+    <p:sldId id="589" r:id="rId42"/>
+    <p:sldId id="590" r:id="rId43"/>
+    <p:sldId id="591" r:id="rId44"/>
+    <p:sldId id="592" r:id="rId45"/>
+    <p:sldId id="593" r:id="rId46"/>
+    <p:sldId id="594" r:id="rId47"/>
+    <p:sldId id="595" r:id="rId48"/>
+    <p:sldId id="596" r:id="rId49"/>
+    <p:sldId id="597" r:id="rId50"/>
+    <p:sldId id="598" r:id="rId51"/>
+    <p:sldId id="292" r:id="rId52"/>
   </p:sldIdLst>
   <p:sldSz cx="9144000" cy="6858000" type="screen4x3"/>
   <p:notesSz cx="6858000" cy="9144000"/>
@@ -11303,197 +11302,6 @@
 </file>
 
 <file path=ppt/slides/slide28.xml><?xml version="1.0" encoding="utf-8"?>
-<p:sld xmlns:a="http://schemas.openxmlformats.org/drawingml/2006/main" xmlns:r="http://schemas.openxmlformats.org/officeDocument/2006/relationships" xmlns:p="http://schemas.openxmlformats.org/presentationml/2006/main" show="0">
-  <p:cSld>
-    <p:spTree>
-      <p:nvGrpSpPr>
-        <p:cNvPr id="1" name=""/>
-        <p:cNvGrpSpPr/>
-        <p:nvPr/>
-      </p:nvGrpSpPr>
-      <p:grpSpPr>
-        <a:xfrm>
-          <a:off x="0" y="0"/>
-          <a:ext cx="0" cy="0"/>
-          <a:chOff x="0" y="0"/>
-          <a:chExt cx="0" cy="0"/>
-        </a:xfrm>
-      </p:grpSpPr>
-      <p:sp>
-        <p:nvSpPr>
-          <p:cNvPr id="6" name="Rectangle 5">
-            <a:extLst>
-              <a:ext uri="{FF2B5EF4-FFF2-40B4-BE49-F238E27FC236}">
-                <a16:creationId xmlns:a16="http://schemas.microsoft.com/office/drawing/2014/main" id="{4CE12115-B5CE-453C-967D-DFFC315D5FB5}"/>
-              </a:ext>
-            </a:extLst>
-          </p:cNvPr>
-          <p:cNvSpPr/>
-          <p:nvPr/>
-        </p:nvSpPr>
-        <p:spPr>
-          <a:xfrm>
-            <a:off x="228600" y="171943"/>
-            <a:ext cx="8686799" cy="765894"/>
-          </a:xfrm>
-          <a:prstGeom prst="rect">
-            <a:avLst/>
-          </a:prstGeom>
-          <a:noFill/>
-          <a:ln>
-            <a:noFill/>
-          </a:ln>
-        </p:spPr>
-        <p:style>
-          <a:lnRef idx="2">
-            <a:schemeClr val="accent1">
-              <a:shade val="50000"/>
-            </a:schemeClr>
-          </a:lnRef>
-          <a:fillRef idx="1">
-            <a:schemeClr val="accent1"/>
-          </a:fillRef>
-          <a:effectRef idx="0">
-            <a:schemeClr val="accent1"/>
-          </a:effectRef>
-          <a:fontRef idx="minor">
-            <a:schemeClr val="lt1"/>
-          </a:fontRef>
-        </p:style>
-        <p:txBody>
-          <a:bodyPr rtlCol="0" anchor="ctr"/>
-          <a:lstStyle/>
-          <a:p>
-            <a:pPr algn="ctr"/>
-            <a:r>
-              <a:rPr lang="en-US" sz="3600" dirty="0">
-                <a:solidFill>
-                  <a:schemeClr val="tx1"/>
-                </a:solidFill>
-                <a:latin typeface="Garamond" panose="02020404030301010803" pitchFamily="18" charset="0"/>
-              </a:rPr>
-              <a:t>Merging Operation</a:t>
-            </a:r>
-          </a:p>
-        </p:txBody>
-      </p:sp>
-      <p:cxnSp>
-        <p:nvCxnSpPr>
-          <p:cNvPr id="8" name="Straight Connector 7">
-            <a:extLst>
-              <a:ext uri="{FF2B5EF4-FFF2-40B4-BE49-F238E27FC236}">
-                <a16:creationId xmlns:a16="http://schemas.microsoft.com/office/drawing/2014/main" id="{CE2FFFAB-39EF-4ACC-9EF6-A3A1475FC4D4}"/>
-              </a:ext>
-            </a:extLst>
-          </p:cNvPr>
-          <p:cNvCxnSpPr>
-            <a:cxnSpLocks/>
-          </p:cNvCxnSpPr>
-          <p:nvPr/>
-        </p:nvCxnSpPr>
-        <p:spPr>
-          <a:xfrm>
-            <a:off x="228600" y="942486"/>
-            <a:ext cx="8686800" cy="0"/>
-          </a:xfrm>
-          <a:prstGeom prst="line">
-            <a:avLst/>
-          </a:prstGeom>
-          <a:ln w="38100">
-            <a:solidFill>
-              <a:srgbClr val="007B3B"/>
-            </a:solidFill>
-          </a:ln>
-        </p:spPr>
-        <p:style>
-          <a:lnRef idx="1">
-            <a:schemeClr val="accent1"/>
-          </a:lnRef>
-          <a:fillRef idx="0">
-            <a:schemeClr val="accent1"/>
-          </a:fillRef>
-          <a:effectRef idx="0">
-            <a:schemeClr val="accent1"/>
-          </a:effectRef>
-          <a:fontRef idx="minor">
-            <a:schemeClr val="tx1"/>
-          </a:fontRef>
-        </p:style>
-      </p:cxnSp>
-      <p:pic>
-        <p:nvPicPr>
-          <p:cNvPr id="3" name="Picture 2">
-            <a:extLst>
-              <a:ext uri="{FF2B5EF4-FFF2-40B4-BE49-F238E27FC236}">
-                <a16:creationId xmlns:a16="http://schemas.microsoft.com/office/drawing/2014/main" id="{2388FB1D-C248-40EC-A6B4-5C4683E27020}"/>
-              </a:ext>
-            </a:extLst>
-          </p:cNvPr>
-          <p:cNvPicPr>
-            <a:picLocks noChangeAspect="1"/>
-          </p:cNvPicPr>
-          <p:nvPr/>
-        </p:nvPicPr>
-        <p:blipFill>
-          <a:blip r:embed="rId2"/>
-          <a:stretch>
-            <a:fillRect/>
-          </a:stretch>
-        </p:blipFill>
-        <p:spPr>
-          <a:xfrm>
-            <a:off x="0" y="6686056"/>
-            <a:ext cx="9144000" cy="171943"/>
-          </a:xfrm>
-          <a:prstGeom prst="rect">
-            <a:avLst/>
-          </a:prstGeom>
-        </p:spPr>
-      </p:pic>
-      <p:pic>
-        <p:nvPicPr>
-          <p:cNvPr id="4" name="Picture 3">
-            <a:extLst>
-              <a:ext uri="{FF2B5EF4-FFF2-40B4-BE49-F238E27FC236}">
-                <a16:creationId xmlns:a16="http://schemas.microsoft.com/office/drawing/2014/main" id="{E089D194-14B9-4762-BD2D-58709E66528C}"/>
-              </a:ext>
-            </a:extLst>
-          </p:cNvPr>
-          <p:cNvPicPr>
-            <a:picLocks noChangeAspect="1"/>
-          </p:cNvPicPr>
-          <p:nvPr/>
-        </p:nvPicPr>
-        <p:blipFill>
-          <a:blip r:embed="rId3"/>
-          <a:stretch>
-            <a:fillRect/>
-          </a:stretch>
-        </p:blipFill>
-        <p:spPr>
-          <a:xfrm>
-            <a:off x="2456151" y="1189987"/>
-            <a:ext cx="4231698" cy="5167801"/>
-          </a:xfrm>
-          <a:prstGeom prst="rect">
-            <a:avLst/>
-          </a:prstGeom>
-        </p:spPr>
-      </p:pic>
-    </p:spTree>
-    <p:extLst>
-      <p:ext uri="{BB962C8B-B14F-4D97-AF65-F5344CB8AC3E}">
-        <p14:creationId xmlns:p14="http://schemas.microsoft.com/office/powerpoint/2010/main" val="2770347007"/>
-      </p:ext>
-    </p:extLst>
-  </p:cSld>
-  <p:clrMapOvr>
-    <a:masterClrMapping/>
-  </p:clrMapOvr>
-</p:sld>
-</file>
-
-<file path=ppt/slides/slide29.xml><?xml version="1.0" encoding="utf-8"?>
 <p:sld xmlns:a="http://schemas.openxmlformats.org/drawingml/2006/main" xmlns:r="http://schemas.openxmlformats.org/officeDocument/2006/relationships" xmlns:p="http://schemas.openxmlformats.org/presentationml/2006/main">
   <p:cSld>
     <p:spTree>
@@ -12100,6 +11908,413 @@
 </p:sld>
 </file>
 
+<file path=ppt/slides/slide29.xml><?xml version="1.0" encoding="utf-8"?>
+<p:sld xmlns:a="http://schemas.openxmlformats.org/drawingml/2006/main" xmlns:r="http://schemas.openxmlformats.org/officeDocument/2006/relationships" xmlns:p="http://schemas.openxmlformats.org/presentationml/2006/main">
+  <p:cSld>
+    <p:spTree>
+      <p:nvGrpSpPr>
+        <p:cNvPr id="1" name=""/>
+        <p:cNvGrpSpPr/>
+        <p:nvPr/>
+      </p:nvGrpSpPr>
+      <p:grpSpPr>
+        <a:xfrm>
+          <a:off x="0" y="0"/>
+          <a:ext cx="0" cy="0"/>
+          <a:chOff x="0" y="0"/>
+          <a:chExt cx="0" cy="0"/>
+        </a:xfrm>
+      </p:grpSpPr>
+      <p:sp>
+        <p:nvSpPr>
+          <p:cNvPr id="6" name="Rectangle 5">
+            <a:extLst>
+              <a:ext uri="{FF2B5EF4-FFF2-40B4-BE49-F238E27FC236}">
+                <a16:creationId xmlns:a16="http://schemas.microsoft.com/office/drawing/2014/main" id="{4CE12115-B5CE-453C-967D-DFFC315D5FB5}"/>
+              </a:ext>
+            </a:extLst>
+          </p:cNvPr>
+          <p:cNvSpPr/>
+          <p:nvPr/>
+        </p:nvSpPr>
+        <p:spPr>
+          <a:xfrm>
+            <a:off x="228600" y="171943"/>
+            <a:ext cx="8686799" cy="765894"/>
+          </a:xfrm>
+          <a:prstGeom prst="rect">
+            <a:avLst/>
+          </a:prstGeom>
+          <a:noFill/>
+          <a:ln>
+            <a:noFill/>
+          </a:ln>
+        </p:spPr>
+        <p:style>
+          <a:lnRef idx="2">
+            <a:schemeClr val="accent1">
+              <a:shade val="50000"/>
+            </a:schemeClr>
+          </a:lnRef>
+          <a:fillRef idx="1">
+            <a:schemeClr val="accent1"/>
+          </a:fillRef>
+          <a:effectRef idx="0">
+            <a:schemeClr val="accent1"/>
+          </a:effectRef>
+          <a:fontRef idx="minor">
+            <a:schemeClr val="lt1"/>
+          </a:fontRef>
+        </p:style>
+        <p:txBody>
+          <a:bodyPr rtlCol="0" anchor="ctr"/>
+          <a:lstStyle/>
+          <a:p>
+            <a:pPr algn="ctr"/>
+            <a:r>
+              <a:rPr lang="en-US" sz="3600" dirty="0">
+                <a:solidFill>
+                  <a:schemeClr val="tx1"/>
+                </a:solidFill>
+                <a:latin typeface="Garamond" panose="02020404030301010803" pitchFamily="18" charset="0"/>
+              </a:rPr>
+              <a:t>Merge Sort</a:t>
+            </a:r>
+          </a:p>
+        </p:txBody>
+      </p:sp>
+      <p:cxnSp>
+        <p:nvCxnSpPr>
+          <p:cNvPr id="8" name="Straight Connector 7">
+            <a:extLst>
+              <a:ext uri="{FF2B5EF4-FFF2-40B4-BE49-F238E27FC236}">
+                <a16:creationId xmlns:a16="http://schemas.microsoft.com/office/drawing/2014/main" id="{CE2FFFAB-39EF-4ACC-9EF6-A3A1475FC4D4}"/>
+              </a:ext>
+            </a:extLst>
+          </p:cNvPr>
+          <p:cNvCxnSpPr>
+            <a:cxnSpLocks/>
+          </p:cNvCxnSpPr>
+          <p:nvPr/>
+        </p:nvCxnSpPr>
+        <p:spPr>
+          <a:xfrm>
+            <a:off x="228600" y="942486"/>
+            <a:ext cx="8686800" cy="0"/>
+          </a:xfrm>
+          <a:prstGeom prst="line">
+            <a:avLst/>
+          </a:prstGeom>
+          <a:ln w="38100">
+            <a:solidFill>
+              <a:srgbClr val="007B3B"/>
+            </a:solidFill>
+          </a:ln>
+        </p:spPr>
+        <p:style>
+          <a:lnRef idx="1">
+            <a:schemeClr val="accent1"/>
+          </a:lnRef>
+          <a:fillRef idx="0">
+            <a:schemeClr val="accent1"/>
+          </a:fillRef>
+          <a:effectRef idx="0">
+            <a:schemeClr val="accent1"/>
+          </a:effectRef>
+          <a:fontRef idx="minor">
+            <a:schemeClr val="tx1"/>
+          </a:fontRef>
+        </p:style>
+      </p:cxnSp>
+      <p:pic>
+        <p:nvPicPr>
+          <p:cNvPr id="3" name="Picture 2">
+            <a:extLst>
+              <a:ext uri="{FF2B5EF4-FFF2-40B4-BE49-F238E27FC236}">
+                <a16:creationId xmlns:a16="http://schemas.microsoft.com/office/drawing/2014/main" id="{2388FB1D-C248-40EC-A6B4-5C4683E27020}"/>
+              </a:ext>
+            </a:extLst>
+          </p:cNvPr>
+          <p:cNvPicPr>
+            <a:picLocks noChangeAspect="1"/>
+          </p:cNvPicPr>
+          <p:nvPr/>
+        </p:nvPicPr>
+        <p:blipFill>
+          <a:blip r:embed="rId2"/>
+          <a:stretch>
+            <a:fillRect/>
+          </a:stretch>
+        </p:blipFill>
+        <p:spPr>
+          <a:xfrm>
+            <a:off x="0" y="6686056"/>
+            <a:ext cx="9144000" cy="171943"/>
+          </a:xfrm>
+          <a:prstGeom prst="rect">
+            <a:avLst/>
+          </a:prstGeom>
+        </p:spPr>
+      </p:pic>
+      <p:sp>
+        <p:nvSpPr>
+          <p:cNvPr id="11" name="Rectangle 3">
+            <a:extLst>
+              <a:ext uri="{FF2B5EF4-FFF2-40B4-BE49-F238E27FC236}">
+                <a16:creationId xmlns:a16="http://schemas.microsoft.com/office/drawing/2014/main" id="{500CE853-ABE2-4AEB-A417-75468BA4202D}"/>
+              </a:ext>
+            </a:extLst>
+          </p:cNvPr>
+          <p:cNvSpPr txBox="1">
+            <a:spLocks noChangeArrowheads="1"/>
+          </p:cNvSpPr>
+          <p:nvPr/>
+        </p:nvSpPr>
+        <p:spPr bwMode="auto">
+          <a:xfrm>
+            <a:off x="507858" y="1084899"/>
+            <a:ext cx="7749451" cy="506929"/>
+          </a:xfrm>
+          <a:prstGeom prst="rect">
+            <a:avLst/>
+          </a:prstGeom>
+          <a:noFill/>
+          <a:ln>
+            <a:noFill/>
+          </a:ln>
+          <a:effectLst/>
+          <a:extLst>
+            <a:ext uri="{909E8E84-426E-40DD-AFC4-6F175D3DCCD1}">
+              <a14:hiddenFill xmlns:a14="http://schemas.microsoft.com/office/drawing/2010/main">
+                <a:solidFill>
+                  <a:schemeClr val="accent1"/>
+                </a:solidFill>
+              </a14:hiddenFill>
+            </a:ext>
+            <a:ext uri="{91240B29-F687-4F45-9708-019B960494DF}">
+              <a14:hiddenLine xmlns:a14="http://schemas.microsoft.com/office/drawing/2010/main" w="9525">
+                <a:solidFill>
+                  <a:schemeClr val="tx1"/>
+                </a:solidFill>
+                <a:miter lim="800000"/>
+                <a:headEnd/>
+                <a:tailEnd/>
+              </a14:hiddenLine>
+            </a:ext>
+            <a:ext uri="{AF507438-7753-43E0-B8FC-AC1667EBCBE1}">
+              <a14:hiddenEffects xmlns:a14="http://schemas.microsoft.com/office/drawing/2010/main">
+                <a:effectLst>
+                  <a:outerShdw dist="35921" dir="2700000" algn="ctr" rotWithShape="0">
+                    <a:schemeClr val="bg2"/>
+                  </a:outerShdw>
+                </a:effectLst>
+              </a14:hiddenEffects>
+            </a:ext>
+          </a:extLst>
+        </p:spPr>
+        <p:txBody>
+          <a:bodyPr vert="horz" wrap="square" lIns="91440" tIns="45720" rIns="91440" bIns="45720" numCol="1" anchor="t" anchorCtr="0" compatLnSpc="1">
+            <a:prstTxWarp prst="textNoShape">
+              <a:avLst/>
+            </a:prstTxWarp>
+          </a:bodyPr>
+          <a:lstStyle>
+            <a:lvl1pPr marL="342900" indent="-342900" algn="l" rtl="0" fontAlgn="base">
+              <a:spcBef>
+                <a:spcPct val="20000"/>
+              </a:spcBef>
+              <a:spcAft>
+                <a:spcPct val="0"/>
+              </a:spcAft>
+              <a:buChar char="•"/>
+              <a:defRPr sz="2800" kern="1200">
+                <a:solidFill>
+                  <a:schemeClr val="accent2"/>
+                </a:solidFill>
+                <a:latin typeface="+mn-lt"/>
+                <a:ea typeface="+mn-ea"/>
+                <a:cs typeface="+mn-cs"/>
+              </a:defRPr>
+            </a:lvl1pPr>
+            <a:lvl2pPr marL="742950" indent="-285750" algn="l" rtl="0" fontAlgn="base">
+              <a:spcBef>
+                <a:spcPct val="20000"/>
+              </a:spcBef>
+              <a:spcAft>
+                <a:spcPct val="0"/>
+              </a:spcAft>
+              <a:buChar char="–"/>
+              <a:defRPr sz="2400" kern="1200">
+                <a:solidFill>
+                  <a:schemeClr val="tx1"/>
+                </a:solidFill>
+                <a:latin typeface="+mn-lt"/>
+                <a:ea typeface="+mn-ea"/>
+                <a:cs typeface="+mn-cs"/>
+              </a:defRPr>
+            </a:lvl2pPr>
+            <a:lvl3pPr marL="1143000" indent="-228600" algn="l" rtl="0" fontAlgn="base">
+              <a:spcBef>
+                <a:spcPct val="20000"/>
+              </a:spcBef>
+              <a:spcAft>
+                <a:spcPct val="0"/>
+              </a:spcAft>
+              <a:buChar char="•"/>
+              <a:defRPr sz="2000" kern="1200">
+                <a:solidFill>
+                  <a:schemeClr val="accent2"/>
+                </a:solidFill>
+                <a:latin typeface="+mn-lt"/>
+                <a:ea typeface="+mn-ea"/>
+                <a:cs typeface="+mn-cs"/>
+              </a:defRPr>
+            </a:lvl3pPr>
+            <a:lvl4pPr marL="1600200" indent="-228600" algn="l" rtl="0" fontAlgn="base">
+              <a:spcBef>
+                <a:spcPct val="20000"/>
+              </a:spcBef>
+              <a:spcAft>
+                <a:spcPct val="0"/>
+              </a:spcAft>
+              <a:buChar char="–"/>
+              <a:defRPr kern="1200">
+                <a:solidFill>
+                  <a:schemeClr val="tx1"/>
+                </a:solidFill>
+                <a:latin typeface="+mn-lt"/>
+                <a:ea typeface="+mn-ea"/>
+                <a:cs typeface="+mn-cs"/>
+              </a:defRPr>
+            </a:lvl4pPr>
+            <a:lvl5pPr marL="2057400" indent="-228600" algn="l" rtl="0" fontAlgn="base">
+              <a:spcBef>
+                <a:spcPct val="20000"/>
+              </a:spcBef>
+              <a:spcAft>
+                <a:spcPct val="0"/>
+              </a:spcAft>
+              <a:buChar char="»"/>
+              <a:defRPr sz="1600" kern="1200">
+                <a:solidFill>
+                  <a:schemeClr val="tx1"/>
+                </a:solidFill>
+                <a:latin typeface="+mn-lt"/>
+                <a:ea typeface="+mn-ea"/>
+                <a:cs typeface="+mn-cs"/>
+              </a:defRPr>
+            </a:lvl5pPr>
+            <a:lvl6pPr marL="2514600" indent="-228600" algn="l" defTabSz="914400" rtl="0" eaLnBrk="1" latinLnBrk="0" hangingPunct="1">
+              <a:lnSpc>
+                <a:spcPct val="90000"/>
+              </a:lnSpc>
+              <a:spcBef>
+                <a:spcPts val="500"/>
+              </a:spcBef>
+              <a:buFont typeface="Arial" panose="020B0604020202020204" pitchFamily="34" charset="0"/>
+              <a:buChar char="•"/>
+              <a:defRPr sz="1800" kern="1200">
+                <a:solidFill>
+                  <a:schemeClr val="tx1"/>
+                </a:solidFill>
+                <a:latin typeface="+mn-lt"/>
+                <a:ea typeface="+mn-ea"/>
+                <a:cs typeface="+mn-cs"/>
+              </a:defRPr>
+            </a:lvl6pPr>
+            <a:lvl7pPr marL="2971800" indent="-228600" algn="l" defTabSz="914400" rtl="0" eaLnBrk="1" latinLnBrk="0" hangingPunct="1">
+              <a:lnSpc>
+                <a:spcPct val="90000"/>
+              </a:lnSpc>
+              <a:spcBef>
+                <a:spcPts val="500"/>
+              </a:spcBef>
+              <a:buFont typeface="Arial" panose="020B0604020202020204" pitchFamily="34" charset="0"/>
+              <a:buChar char="•"/>
+              <a:defRPr sz="1800" kern="1200">
+                <a:solidFill>
+                  <a:schemeClr val="tx1"/>
+                </a:solidFill>
+                <a:latin typeface="+mn-lt"/>
+                <a:ea typeface="+mn-ea"/>
+                <a:cs typeface="+mn-cs"/>
+              </a:defRPr>
+            </a:lvl7pPr>
+            <a:lvl8pPr marL="3429000" indent="-228600" algn="l" defTabSz="914400" rtl="0" eaLnBrk="1" latinLnBrk="0" hangingPunct="1">
+              <a:lnSpc>
+                <a:spcPct val="90000"/>
+              </a:lnSpc>
+              <a:spcBef>
+                <a:spcPts val="500"/>
+              </a:spcBef>
+              <a:buFont typeface="Arial" panose="020B0604020202020204" pitchFamily="34" charset="0"/>
+              <a:buChar char="•"/>
+              <a:defRPr sz="1800" kern="1200">
+                <a:solidFill>
+                  <a:schemeClr val="tx1"/>
+                </a:solidFill>
+                <a:latin typeface="+mn-lt"/>
+                <a:ea typeface="+mn-ea"/>
+                <a:cs typeface="+mn-cs"/>
+              </a:defRPr>
+            </a:lvl8pPr>
+            <a:lvl9pPr marL="3886200" indent="-228600" algn="l" defTabSz="914400" rtl="0" eaLnBrk="1" latinLnBrk="0" hangingPunct="1">
+              <a:lnSpc>
+                <a:spcPct val="90000"/>
+              </a:lnSpc>
+              <a:spcBef>
+                <a:spcPts val="500"/>
+              </a:spcBef>
+              <a:buFont typeface="Arial" panose="020B0604020202020204" pitchFamily="34" charset="0"/>
+              <a:buChar char="•"/>
+              <a:defRPr sz="1800" kern="1200">
+                <a:solidFill>
+                  <a:schemeClr val="tx1"/>
+                </a:solidFill>
+                <a:latin typeface="+mn-lt"/>
+                <a:ea typeface="+mn-ea"/>
+                <a:cs typeface="+mn-cs"/>
+              </a:defRPr>
+            </a:lvl9pPr>
+          </a:lstStyle>
+          <a:p>
+            <a:pPr marL="533400" indent="-533400" defTabSz="914400">
+              <a:lnSpc>
+                <a:spcPct val="120000"/>
+              </a:lnSpc>
+              <a:defRPr/>
+            </a:pPr>
+            <a:r>
+              <a:rPr lang="en-US" altLang="en-US" sz="2400" dirty="0">
+                <a:solidFill>
+                  <a:schemeClr val="tx1"/>
+                </a:solidFill>
+                <a:latin typeface="Garamond" panose="02020404030301010803" pitchFamily="18" charset="0"/>
+              </a:rPr>
+              <a:t>Sorting 38, 27, 43, 3, 9, 82, 10 using merging sort</a:t>
+            </a:r>
+            <a:endParaRPr lang="en-US" altLang="en-US" sz="2200" dirty="0">
+              <a:solidFill>
+                <a:schemeClr val="tx1"/>
+              </a:solidFill>
+              <a:latin typeface="Garamond" panose="02020404030301010803" pitchFamily="18" charset="0"/>
+            </a:endParaRPr>
+          </a:p>
+        </p:txBody>
+      </p:sp>
+    </p:spTree>
+    <p:extLst>
+      <p:ext uri="{BB962C8B-B14F-4D97-AF65-F5344CB8AC3E}">
+        <p14:creationId xmlns:p14="http://schemas.microsoft.com/office/powerpoint/2010/main" val="2284222951"/>
+      </p:ext>
+    </p:extLst>
+  </p:cSld>
+  <p:clrMapOvr>
+    <a:masterClrMapping/>
+  </p:clrMapOvr>
+</p:sld>
+</file>
+
 <file path=ppt/slides/slide3.xml><?xml version="1.0" encoding="utf-8"?>
 <p:sld xmlns:a="http://schemas.openxmlformats.org/drawingml/2006/main" xmlns:r="http://schemas.openxmlformats.org/officeDocument/2006/relationships" xmlns:p="http://schemas.openxmlformats.org/presentationml/2006/main">
   <p:cSld>
@@ -12630,413 +12845,6 @@
 </file>
 
 <file path=ppt/slides/slide30.xml><?xml version="1.0" encoding="utf-8"?>
-<p:sld xmlns:a="http://schemas.openxmlformats.org/drawingml/2006/main" xmlns:r="http://schemas.openxmlformats.org/officeDocument/2006/relationships" xmlns:p="http://schemas.openxmlformats.org/presentationml/2006/main">
-  <p:cSld>
-    <p:spTree>
-      <p:nvGrpSpPr>
-        <p:cNvPr id="1" name=""/>
-        <p:cNvGrpSpPr/>
-        <p:nvPr/>
-      </p:nvGrpSpPr>
-      <p:grpSpPr>
-        <a:xfrm>
-          <a:off x="0" y="0"/>
-          <a:ext cx="0" cy="0"/>
-          <a:chOff x="0" y="0"/>
-          <a:chExt cx="0" cy="0"/>
-        </a:xfrm>
-      </p:grpSpPr>
-      <p:sp>
-        <p:nvSpPr>
-          <p:cNvPr id="6" name="Rectangle 5">
-            <a:extLst>
-              <a:ext uri="{FF2B5EF4-FFF2-40B4-BE49-F238E27FC236}">
-                <a16:creationId xmlns:a16="http://schemas.microsoft.com/office/drawing/2014/main" id="{4CE12115-B5CE-453C-967D-DFFC315D5FB5}"/>
-              </a:ext>
-            </a:extLst>
-          </p:cNvPr>
-          <p:cNvSpPr/>
-          <p:nvPr/>
-        </p:nvSpPr>
-        <p:spPr>
-          <a:xfrm>
-            <a:off x="228600" y="171943"/>
-            <a:ext cx="8686799" cy="765894"/>
-          </a:xfrm>
-          <a:prstGeom prst="rect">
-            <a:avLst/>
-          </a:prstGeom>
-          <a:noFill/>
-          <a:ln>
-            <a:noFill/>
-          </a:ln>
-        </p:spPr>
-        <p:style>
-          <a:lnRef idx="2">
-            <a:schemeClr val="accent1">
-              <a:shade val="50000"/>
-            </a:schemeClr>
-          </a:lnRef>
-          <a:fillRef idx="1">
-            <a:schemeClr val="accent1"/>
-          </a:fillRef>
-          <a:effectRef idx="0">
-            <a:schemeClr val="accent1"/>
-          </a:effectRef>
-          <a:fontRef idx="minor">
-            <a:schemeClr val="lt1"/>
-          </a:fontRef>
-        </p:style>
-        <p:txBody>
-          <a:bodyPr rtlCol="0" anchor="ctr"/>
-          <a:lstStyle/>
-          <a:p>
-            <a:pPr algn="ctr"/>
-            <a:r>
-              <a:rPr lang="en-US" sz="3600" dirty="0">
-                <a:solidFill>
-                  <a:schemeClr val="tx1"/>
-                </a:solidFill>
-                <a:latin typeface="Garamond" panose="02020404030301010803" pitchFamily="18" charset="0"/>
-              </a:rPr>
-              <a:t>Merge Sort</a:t>
-            </a:r>
-          </a:p>
-        </p:txBody>
-      </p:sp>
-      <p:cxnSp>
-        <p:nvCxnSpPr>
-          <p:cNvPr id="8" name="Straight Connector 7">
-            <a:extLst>
-              <a:ext uri="{FF2B5EF4-FFF2-40B4-BE49-F238E27FC236}">
-                <a16:creationId xmlns:a16="http://schemas.microsoft.com/office/drawing/2014/main" id="{CE2FFFAB-39EF-4ACC-9EF6-A3A1475FC4D4}"/>
-              </a:ext>
-            </a:extLst>
-          </p:cNvPr>
-          <p:cNvCxnSpPr>
-            <a:cxnSpLocks/>
-          </p:cNvCxnSpPr>
-          <p:nvPr/>
-        </p:nvCxnSpPr>
-        <p:spPr>
-          <a:xfrm>
-            <a:off x="228600" y="942486"/>
-            <a:ext cx="8686800" cy="0"/>
-          </a:xfrm>
-          <a:prstGeom prst="line">
-            <a:avLst/>
-          </a:prstGeom>
-          <a:ln w="38100">
-            <a:solidFill>
-              <a:srgbClr val="007B3B"/>
-            </a:solidFill>
-          </a:ln>
-        </p:spPr>
-        <p:style>
-          <a:lnRef idx="1">
-            <a:schemeClr val="accent1"/>
-          </a:lnRef>
-          <a:fillRef idx="0">
-            <a:schemeClr val="accent1"/>
-          </a:fillRef>
-          <a:effectRef idx="0">
-            <a:schemeClr val="accent1"/>
-          </a:effectRef>
-          <a:fontRef idx="minor">
-            <a:schemeClr val="tx1"/>
-          </a:fontRef>
-        </p:style>
-      </p:cxnSp>
-      <p:pic>
-        <p:nvPicPr>
-          <p:cNvPr id="3" name="Picture 2">
-            <a:extLst>
-              <a:ext uri="{FF2B5EF4-FFF2-40B4-BE49-F238E27FC236}">
-                <a16:creationId xmlns:a16="http://schemas.microsoft.com/office/drawing/2014/main" id="{2388FB1D-C248-40EC-A6B4-5C4683E27020}"/>
-              </a:ext>
-            </a:extLst>
-          </p:cNvPr>
-          <p:cNvPicPr>
-            <a:picLocks noChangeAspect="1"/>
-          </p:cNvPicPr>
-          <p:nvPr/>
-        </p:nvPicPr>
-        <p:blipFill>
-          <a:blip r:embed="rId2"/>
-          <a:stretch>
-            <a:fillRect/>
-          </a:stretch>
-        </p:blipFill>
-        <p:spPr>
-          <a:xfrm>
-            <a:off x="0" y="6686056"/>
-            <a:ext cx="9144000" cy="171943"/>
-          </a:xfrm>
-          <a:prstGeom prst="rect">
-            <a:avLst/>
-          </a:prstGeom>
-        </p:spPr>
-      </p:pic>
-      <p:sp>
-        <p:nvSpPr>
-          <p:cNvPr id="11" name="Rectangle 3">
-            <a:extLst>
-              <a:ext uri="{FF2B5EF4-FFF2-40B4-BE49-F238E27FC236}">
-                <a16:creationId xmlns:a16="http://schemas.microsoft.com/office/drawing/2014/main" id="{500CE853-ABE2-4AEB-A417-75468BA4202D}"/>
-              </a:ext>
-            </a:extLst>
-          </p:cNvPr>
-          <p:cNvSpPr txBox="1">
-            <a:spLocks noChangeArrowheads="1"/>
-          </p:cNvSpPr>
-          <p:nvPr/>
-        </p:nvSpPr>
-        <p:spPr bwMode="auto">
-          <a:xfrm>
-            <a:off x="507858" y="1084899"/>
-            <a:ext cx="7749451" cy="506929"/>
-          </a:xfrm>
-          <a:prstGeom prst="rect">
-            <a:avLst/>
-          </a:prstGeom>
-          <a:noFill/>
-          <a:ln>
-            <a:noFill/>
-          </a:ln>
-          <a:effectLst/>
-          <a:extLst>
-            <a:ext uri="{909E8E84-426E-40DD-AFC4-6F175D3DCCD1}">
-              <a14:hiddenFill xmlns:a14="http://schemas.microsoft.com/office/drawing/2010/main">
-                <a:solidFill>
-                  <a:schemeClr val="accent1"/>
-                </a:solidFill>
-              </a14:hiddenFill>
-            </a:ext>
-            <a:ext uri="{91240B29-F687-4F45-9708-019B960494DF}">
-              <a14:hiddenLine xmlns:a14="http://schemas.microsoft.com/office/drawing/2010/main" w="9525">
-                <a:solidFill>
-                  <a:schemeClr val="tx1"/>
-                </a:solidFill>
-                <a:miter lim="800000"/>
-                <a:headEnd/>
-                <a:tailEnd/>
-              </a14:hiddenLine>
-            </a:ext>
-            <a:ext uri="{AF507438-7753-43E0-B8FC-AC1667EBCBE1}">
-              <a14:hiddenEffects xmlns:a14="http://schemas.microsoft.com/office/drawing/2010/main">
-                <a:effectLst>
-                  <a:outerShdw dist="35921" dir="2700000" algn="ctr" rotWithShape="0">
-                    <a:schemeClr val="bg2"/>
-                  </a:outerShdw>
-                </a:effectLst>
-              </a14:hiddenEffects>
-            </a:ext>
-          </a:extLst>
-        </p:spPr>
-        <p:txBody>
-          <a:bodyPr vert="horz" wrap="square" lIns="91440" tIns="45720" rIns="91440" bIns="45720" numCol="1" anchor="t" anchorCtr="0" compatLnSpc="1">
-            <a:prstTxWarp prst="textNoShape">
-              <a:avLst/>
-            </a:prstTxWarp>
-          </a:bodyPr>
-          <a:lstStyle>
-            <a:lvl1pPr marL="342900" indent="-342900" algn="l" rtl="0" fontAlgn="base">
-              <a:spcBef>
-                <a:spcPct val="20000"/>
-              </a:spcBef>
-              <a:spcAft>
-                <a:spcPct val="0"/>
-              </a:spcAft>
-              <a:buChar char="•"/>
-              <a:defRPr sz="2800" kern="1200">
-                <a:solidFill>
-                  <a:schemeClr val="accent2"/>
-                </a:solidFill>
-                <a:latin typeface="+mn-lt"/>
-                <a:ea typeface="+mn-ea"/>
-                <a:cs typeface="+mn-cs"/>
-              </a:defRPr>
-            </a:lvl1pPr>
-            <a:lvl2pPr marL="742950" indent="-285750" algn="l" rtl="0" fontAlgn="base">
-              <a:spcBef>
-                <a:spcPct val="20000"/>
-              </a:spcBef>
-              <a:spcAft>
-                <a:spcPct val="0"/>
-              </a:spcAft>
-              <a:buChar char="–"/>
-              <a:defRPr sz="2400" kern="1200">
-                <a:solidFill>
-                  <a:schemeClr val="tx1"/>
-                </a:solidFill>
-                <a:latin typeface="+mn-lt"/>
-                <a:ea typeface="+mn-ea"/>
-                <a:cs typeface="+mn-cs"/>
-              </a:defRPr>
-            </a:lvl2pPr>
-            <a:lvl3pPr marL="1143000" indent="-228600" algn="l" rtl="0" fontAlgn="base">
-              <a:spcBef>
-                <a:spcPct val="20000"/>
-              </a:spcBef>
-              <a:spcAft>
-                <a:spcPct val="0"/>
-              </a:spcAft>
-              <a:buChar char="•"/>
-              <a:defRPr sz="2000" kern="1200">
-                <a:solidFill>
-                  <a:schemeClr val="accent2"/>
-                </a:solidFill>
-                <a:latin typeface="+mn-lt"/>
-                <a:ea typeface="+mn-ea"/>
-                <a:cs typeface="+mn-cs"/>
-              </a:defRPr>
-            </a:lvl3pPr>
-            <a:lvl4pPr marL="1600200" indent="-228600" algn="l" rtl="0" fontAlgn="base">
-              <a:spcBef>
-                <a:spcPct val="20000"/>
-              </a:spcBef>
-              <a:spcAft>
-                <a:spcPct val="0"/>
-              </a:spcAft>
-              <a:buChar char="–"/>
-              <a:defRPr kern="1200">
-                <a:solidFill>
-                  <a:schemeClr val="tx1"/>
-                </a:solidFill>
-                <a:latin typeface="+mn-lt"/>
-                <a:ea typeface="+mn-ea"/>
-                <a:cs typeface="+mn-cs"/>
-              </a:defRPr>
-            </a:lvl4pPr>
-            <a:lvl5pPr marL="2057400" indent="-228600" algn="l" rtl="0" fontAlgn="base">
-              <a:spcBef>
-                <a:spcPct val="20000"/>
-              </a:spcBef>
-              <a:spcAft>
-                <a:spcPct val="0"/>
-              </a:spcAft>
-              <a:buChar char="»"/>
-              <a:defRPr sz="1600" kern="1200">
-                <a:solidFill>
-                  <a:schemeClr val="tx1"/>
-                </a:solidFill>
-                <a:latin typeface="+mn-lt"/>
-                <a:ea typeface="+mn-ea"/>
-                <a:cs typeface="+mn-cs"/>
-              </a:defRPr>
-            </a:lvl5pPr>
-            <a:lvl6pPr marL="2514600" indent="-228600" algn="l" defTabSz="914400" rtl="0" eaLnBrk="1" latinLnBrk="0" hangingPunct="1">
-              <a:lnSpc>
-                <a:spcPct val="90000"/>
-              </a:lnSpc>
-              <a:spcBef>
-                <a:spcPts val="500"/>
-              </a:spcBef>
-              <a:buFont typeface="Arial" panose="020B0604020202020204" pitchFamily="34" charset="0"/>
-              <a:buChar char="•"/>
-              <a:defRPr sz="1800" kern="1200">
-                <a:solidFill>
-                  <a:schemeClr val="tx1"/>
-                </a:solidFill>
-                <a:latin typeface="+mn-lt"/>
-                <a:ea typeface="+mn-ea"/>
-                <a:cs typeface="+mn-cs"/>
-              </a:defRPr>
-            </a:lvl6pPr>
-            <a:lvl7pPr marL="2971800" indent="-228600" algn="l" defTabSz="914400" rtl="0" eaLnBrk="1" latinLnBrk="0" hangingPunct="1">
-              <a:lnSpc>
-                <a:spcPct val="90000"/>
-              </a:lnSpc>
-              <a:spcBef>
-                <a:spcPts val="500"/>
-              </a:spcBef>
-              <a:buFont typeface="Arial" panose="020B0604020202020204" pitchFamily="34" charset="0"/>
-              <a:buChar char="•"/>
-              <a:defRPr sz="1800" kern="1200">
-                <a:solidFill>
-                  <a:schemeClr val="tx1"/>
-                </a:solidFill>
-                <a:latin typeface="+mn-lt"/>
-                <a:ea typeface="+mn-ea"/>
-                <a:cs typeface="+mn-cs"/>
-              </a:defRPr>
-            </a:lvl7pPr>
-            <a:lvl8pPr marL="3429000" indent="-228600" algn="l" defTabSz="914400" rtl="0" eaLnBrk="1" latinLnBrk="0" hangingPunct="1">
-              <a:lnSpc>
-                <a:spcPct val="90000"/>
-              </a:lnSpc>
-              <a:spcBef>
-                <a:spcPts val="500"/>
-              </a:spcBef>
-              <a:buFont typeface="Arial" panose="020B0604020202020204" pitchFamily="34" charset="0"/>
-              <a:buChar char="•"/>
-              <a:defRPr sz="1800" kern="1200">
-                <a:solidFill>
-                  <a:schemeClr val="tx1"/>
-                </a:solidFill>
-                <a:latin typeface="+mn-lt"/>
-                <a:ea typeface="+mn-ea"/>
-                <a:cs typeface="+mn-cs"/>
-              </a:defRPr>
-            </a:lvl8pPr>
-            <a:lvl9pPr marL="3886200" indent="-228600" algn="l" defTabSz="914400" rtl="0" eaLnBrk="1" latinLnBrk="0" hangingPunct="1">
-              <a:lnSpc>
-                <a:spcPct val="90000"/>
-              </a:lnSpc>
-              <a:spcBef>
-                <a:spcPts val="500"/>
-              </a:spcBef>
-              <a:buFont typeface="Arial" panose="020B0604020202020204" pitchFamily="34" charset="0"/>
-              <a:buChar char="•"/>
-              <a:defRPr sz="1800" kern="1200">
-                <a:solidFill>
-                  <a:schemeClr val="tx1"/>
-                </a:solidFill>
-                <a:latin typeface="+mn-lt"/>
-                <a:ea typeface="+mn-ea"/>
-                <a:cs typeface="+mn-cs"/>
-              </a:defRPr>
-            </a:lvl9pPr>
-          </a:lstStyle>
-          <a:p>
-            <a:pPr marL="533400" indent="-533400" defTabSz="914400">
-              <a:lnSpc>
-                <a:spcPct val="120000"/>
-              </a:lnSpc>
-              <a:defRPr/>
-            </a:pPr>
-            <a:r>
-              <a:rPr lang="en-US" altLang="en-US" sz="2400" dirty="0">
-                <a:solidFill>
-                  <a:schemeClr val="tx1"/>
-                </a:solidFill>
-                <a:latin typeface="Garamond" panose="02020404030301010803" pitchFamily="18" charset="0"/>
-              </a:rPr>
-              <a:t>Sorting 38, 27, 43, 3, 9, 82, 10 using merging sort</a:t>
-            </a:r>
-            <a:endParaRPr lang="en-US" altLang="en-US" sz="2200" dirty="0">
-              <a:solidFill>
-                <a:schemeClr val="tx1"/>
-              </a:solidFill>
-              <a:latin typeface="Garamond" panose="02020404030301010803" pitchFamily="18" charset="0"/>
-            </a:endParaRPr>
-          </a:p>
-        </p:txBody>
-      </p:sp>
-    </p:spTree>
-    <p:extLst>
-      <p:ext uri="{BB962C8B-B14F-4D97-AF65-F5344CB8AC3E}">
-        <p14:creationId xmlns:p14="http://schemas.microsoft.com/office/powerpoint/2010/main" val="2284222951"/>
-      </p:ext>
-    </p:extLst>
-  </p:cSld>
-  <p:clrMapOvr>
-    <a:masterClrMapping/>
-  </p:clrMapOvr>
-</p:sld>
-</file>
-
-<file path=ppt/slides/slide31.xml><?xml version="1.0" encoding="utf-8"?>
 <p:sld xmlns:a="http://schemas.openxmlformats.org/drawingml/2006/main" xmlns:r="http://schemas.openxmlformats.org/officeDocument/2006/relationships" xmlns:p="http://schemas.openxmlformats.org/presentationml/2006/main">
   <p:cSld>
     <p:spTree>
@@ -13504,7 +13312,7 @@
 </p:sld>
 </file>
 
-<file path=ppt/slides/slide32.xml><?xml version="1.0" encoding="utf-8"?>
+<file path=ppt/slides/slide31.xml><?xml version="1.0" encoding="utf-8"?>
 <p:sld xmlns:a="http://schemas.openxmlformats.org/drawingml/2006/main" xmlns:r="http://schemas.openxmlformats.org/officeDocument/2006/relationships" xmlns:p="http://schemas.openxmlformats.org/presentationml/2006/main">
   <p:cSld>
     <p:spTree>
@@ -14195,7 +14003,7 @@
 </p:sld>
 </file>
 
-<file path=ppt/slides/slide33.xml><?xml version="1.0" encoding="utf-8"?>
+<file path=ppt/slides/slide32.xml><?xml version="1.0" encoding="utf-8"?>
 <p:sld xmlns:a="http://schemas.openxmlformats.org/drawingml/2006/main" xmlns:r="http://schemas.openxmlformats.org/officeDocument/2006/relationships" xmlns:p="http://schemas.openxmlformats.org/presentationml/2006/main">
   <p:cSld>
     <p:spTree>
@@ -14760,7 +14568,7 @@
 </p:sld>
 </file>
 
-<file path=ppt/slides/slide34.xml><?xml version="1.0" encoding="utf-8"?>
+<file path=ppt/slides/slide33.xml><?xml version="1.0" encoding="utf-8"?>
 <p:sld xmlns:a="http://schemas.openxmlformats.org/drawingml/2006/main" xmlns:r="http://schemas.openxmlformats.org/officeDocument/2006/relationships" xmlns:p="http://schemas.openxmlformats.org/presentationml/2006/main">
   <p:cSld>
     <p:spTree>
@@ -15102,7 +14910,7 @@
 </p:sld>
 </file>
 
-<file path=ppt/slides/slide35.xml><?xml version="1.0" encoding="utf-8"?>
+<file path=ppt/slides/slide34.xml><?xml version="1.0" encoding="utf-8"?>
 <p:sld xmlns:a="http://schemas.openxmlformats.org/drawingml/2006/main" xmlns:r="http://schemas.openxmlformats.org/officeDocument/2006/relationships" xmlns:p="http://schemas.openxmlformats.org/presentationml/2006/main">
   <p:cSld>
     <p:spTree>
@@ -15523,7 +15331,7 @@
 </p:sld>
 </file>
 
-<file path=ppt/slides/slide36.xml><?xml version="1.0" encoding="utf-8"?>
+<file path=ppt/slides/slide35.xml><?xml version="1.0" encoding="utf-8"?>
 <p:sld xmlns:a="http://schemas.openxmlformats.org/drawingml/2006/main" xmlns:r="http://schemas.openxmlformats.org/officeDocument/2006/relationships" xmlns:p="http://schemas.openxmlformats.org/presentationml/2006/main">
   <p:cSld>
     <p:spTree>
@@ -15974,7 +15782,7 @@
 </p:sld>
 </file>
 
-<file path=ppt/slides/slide37.xml><?xml version="1.0" encoding="utf-8"?>
+<file path=ppt/slides/slide36.xml><?xml version="1.0" encoding="utf-8"?>
 <p:sld xmlns:a="http://schemas.openxmlformats.org/drawingml/2006/main" xmlns:r="http://schemas.openxmlformats.org/officeDocument/2006/relationships" xmlns:p="http://schemas.openxmlformats.org/presentationml/2006/main">
   <p:cSld>
     <p:spTree>
@@ -16425,7 +16233,7 @@
 </p:sld>
 </file>
 
-<file path=ppt/slides/slide38.xml><?xml version="1.0" encoding="utf-8"?>
+<file path=ppt/slides/slide37.xml><?xml version="1.0" encoding="utf-8"?>
 <p:sld xmlns:a="http://schemas.openxmlformats.org/drawingml/2006/main" xmlns:r="http://schemas.openxmlformats.org/officeDocument/2006/relationships" xmlns:p="http://schemas.openxmlformats.org/presentationml/2006/main">
   <p:cSld>
     <p:spTree>
@@ -16876,7 +16684,7 @@
 </p:sld>
 </file>
 
-<file path=ppt/slides/slide39.xml><?xml version="1.0" encoding="utf-8"?>
+<file path=ppt/slides/slide38.xml><?xml version="1.0" encoding="utf-8"?>
 <p:sld xmlns:a="http://schemas.openxmlformats.org/drawingml/2006/main" xmlns:r="http://schemas.openxmlformats.org/officeDocument/2006/relationships" xmlns:p="http://schemas.openxmlformats.org/presentationml/2006/main">
   <p:cSld>
     <p:spTree>
@@ -17413,6 +17221,606 @@
 </p:sld>
 </file>
 
+<file path=ppt/slides/slide39.xml><?xml version="1.0" encoding="utf-8"?>
+<p:sld xmlns:a="http://schemas.openxmlformats.org/drawingml/2006/main" xmlns:r="http://schemas.openxmlformats.org/officeDocument/2006/relationships" xmlns:p="http://schemas.openxmlformats.org/presentationml/2006/main">
+  <p:cSld>
+    <p:spTree>
+      <p:nvGrpSpPr>
+        <p:cNvPr id="1" name=""/>
+        <p:cNvGrpSpPr/>
+        <p:nvPr/>
+      </p:nvGrpSpPr>
+      <p:grpSpPr>
+        <a:xfrm>
+          <a:off x="0" y="0"/>
+          <a:ext cx="0" cy="0"/>
+          <a:chOff x="0" y="0"/>
+          <a:chExt cx="0" cy="0"/>
+        </a:xfrm>
+      </p:grpSpPr>
+      <p:sp>
+        <p:nvSpPr>
+          <p:cNvPr id="6" name="Rectangle 5">
+            <a:extLst>
+              <a:ext uri="{FF2B5EF4-FFF2-40B4-BE49-F238E27FC236}">
+                <a16:creationId xmlns:a16="http://schemas.microsoft.com/office/drawing/2014/main" id="{4CE12115-B5CE-453C-967D-DFFC315D5FB5}"/>
+              </a:ext>
+            </a:extLst>
+          </p:cNvPr>
+          <p:cNvSpPr/>
+          <p:nvPr/>
+        </p:nvSpPr>
+        <p:spPr>
+          <a:xfrm>
+            <a:off x="228600" y="171943"/>
+            <a:ext cx="8686799" cy="765894"/>
+          </a:xfrm>
+          <a:prstGeom prst="rect">
+            <a:avLst/>
+          </a:prstGeom>
+          <a:noFill/>
+          <a:ln>
+            <a:noFill/>
+          </a:ln>
+        </p:spPr>
+        <p:style>
+          <a:lnRef idx="2">
+            <a:schemeClr val="accent1">
+              <a:shade val="50000"/>
+            </a:schemeClr>
+          </a:lnRef>
+          <a:fillRef idx="1">
+            <a:schemeClr val="accent1"/>
+          </a:fillRef>
+          <a:effectRef idx="0">
+            <a:schemeClr val="accent1"/>
+          </a:effectRef>
+          <a:fontRef idx="minor">
+            <a:schemeClr val="lt1"/>
+          </a:fontRef>
+        </p:style>
+        <p:txBody>
+          <a:bodyPr rtlCol="0" anchor="ctr"/>
+          <a:lstStyle/>
+          <a:p>
+            <a:pPr algn="ctr"/>
+            <a:r>
+              <a:rPr lang="en-US" sz="3600" dirty="0">
+                <a:solidFill>
+                  <a:schemeClr val="tx1"/>
+                </a:solidFill>
+                <a:latin typeface="Garamond" panose="02020404030301010803" pitchFamily="18" charset="0"/>
+              </a:rPr>
+              <a:t>Quick Sort Worst Case</a:t>
+            </a:r>
+          </a:p>
+        </p:txBody>
+      </p:sp>
+      <p:cxnSp>
+        <p:nvCxnSpPr>
+          <p:cNvPr id="8" name="Straight Connector 7">
+            <a:extLst>
+              <a:ext uri="{FF2B5EF4-FFF2-40B4-BE49-F238E27FC236}">
+                <a16:creationId xmlns:a16="http://schemas.microsoft.com/office/drawing/2014/main" id="{CE2FFFAB-39EF-4ACC-9EF6-A3A1475FC4D4}"/>
+              </a:ext>
+            </a:extLst>
+          </p:cNvPr>
+          <p:cNvCxnSpPr>
+            <a:cxnSpLocks/>
+          </p:cNvCxnSpPr>
+          <p:nvPr/>
+        </p:nvCxnSpPr>
+        <p:spPr>
+          <a:xfrm>
+            <a:off x="228600" y="942486"/>
+            <a:ext cx="8686800" cy="0"/>
+          </a:xfrm>
+          <a:prstGeom prst="line">
+            <a:avLst/>
+          </a:prstGeom>
+          <a:ln w="38100">
+            <a:solidFill>
+              <a:srgbClr val="007B3B"/>
+            </a:solidFill>
+          </a:ln>
+        </p:spPr>
+        <p:style>
+          <a:lnRef idx="1">
+            <a:schemeClr val="accent1"/>
+          </a:lnRef>
+          <a:fillRef idx="0">
+            <a:schemeClr val="accent1"/>
+          </a:fillRef>
+          <a:effectRef idx="0">
+            <a:schemeClr val="accent1"/>
+          </a:effectRef>
+          <a:fontRef idx="minor">
+            <a:schemeClr val="tx1"/>
+          </a:fontRef>
+        </p:style>
+      </p:cxnSp>
+      <p:pic>
+        <p:nvPicPr>
+          <p:cNvPr id="3" name="Picture 2">
+            <a:extLst>
+              <a:ext uri="{FF2B5EF4-FFF2-40B4-BE49-F238E27FC236}">
+                <a16:creationId xmlns:a16="http://schemas.microsoft.com/office/drawing/2014/main" id="{2388FB1D-C248-40EC-A6B4-5C4683E27020}"/>
+              </a:ext>
+            </a:extLst>
+          </p:cNvPr>
+          <p:cNvPicPr>
+            <a:picLocks noChangeAspect="1"/>
+          </p:cNvPicPr>
+          <p:nvPr/>
+        </p:nvPicPr>
+        <p:blipFill>
+          <a:blip r:embed="rId2"/>
+          <a:stretch>
+            <a:fillRect/>
+          </a:stretch>
+        </p:blipFill>
+        <p:spPr>
+          <a:xfrm>
+            <a:off x="0" y="6686056"/>
+            <a:ext cx="9144000" cy="171943"/>
+          </a:xfrm>
+          <a:prstGeom prst="rect">
+            <a:avLst/>
+          </a:prstGeom>
+        </p:spPr>
+      </p:pic>
+      <p:sp>
+        <p:nvSpPr>
+          <p:cNvPr id="9" name="Rectangle 3">
+            <a:extLst>
+              <a:ext uri="{FF2B5EF4-FFF2-40B4-BE49-F238E27FC236}">
+                <a16:creationId xmlns:a16="http://schemas.microsoft.com/office/drawing/2014/main" id="{2198A126-D6F5-4D11-BB3F-8FC06B41937A}"/>
+              </a:ext>
+            </a:extLst>
+          </p:cNvPr>
+          <p:cNvSpPr txBox="1">
+            <a:spLocks noChangeArrowheads="1"/>
+          </p:cNvSpPr>
+          <p:nvPr/>
+        </p:nvSpPr>
+        <p:spPr bwMode="auto">
+          <a:xfrm>
+            <a:off x="507858" y="1084899"/>
+            <a:ext cx="7749451" cy="2009284"/>
+          </a:xfrm>
+          <a:prstGeom prst="rect">
+            <a:avLst/>
+          </a:prstGeom>
+          <a:noFill/>
+          <a:ln>
+            <a:noFill/>
+          </a:ln>
+          <a:effectLst/>
+          <a:extLst>
+            <a:ext uri="{909E8E84-426E-40DD-AFC4-6F175D3DCCD1}">
+              <a14:hiddenFill xmlns:a14="http://schemas.microsoft.com/office/drawing/2010/main">
+                <a:solidFill>
+                  <a:schemeClr val="accent1"/>
+                </a:solidFill>
+              </a14:hiddenFill>
+            </a:ext>
+            <a:ext uri="{91240B29-F687-4F45-9708-019B960494DF}">
+              <a14:hiddenLine xmlns:a14="http://schemas.microsoft.com/office/drawing/2010/main" w="9525">
+                <a:solidFill>
+                  <a:schemeClr val="tx1"/>
+                </a:solidFill>
+                <a:miter lim="800000"/>
+                <a:headEnd/>
+                <a:tailEnd/>
+              </a14:hiddenLine>
+            </a:ext>
+            <a:ext uri="{AF507438-7753-43E0-B8FC-AC1667EBCBE1}">
+              <a14:hiddenEffects xmlns:a14="http://schemas.microsoft.com/office/drawing/2010/main">
+                <a:effectLst>
+                  <a:outerShdw dist="35921" dir="2700000" algn="ctr" rotWithShape="0">
+                    <a:schemeClr val="bg2"/>
+                  </a:outerShdw>
+                </a:effectLst>
+              </a14:hiddenEffects>
+            </a:ext>
+          </a:extLst>
+        </p:spPr>
+        <p:txBody>
+          <a:bodyPr vert="horz" wrap="square" lIns="91440" tIns="45720" rIns="91440" bIns="45720" numCol="1" anchor="t" anchorCtr="0" compatLnSpc="1">
+            <a:prstTxWarp prst="textNoShape">
+              <a:avLst/>
+            </a:prstTxWarp>
+          </a:bodyPr>
+          <a:lstStyle>
+            <a:lvl1pPr marL="342900" indent="-342900" algn="l" rtl="0" fontAlgn="base">
+              <a:spcBef>
+                <a:spcPct val="20000"/>
+              </a:spcBef>
+              <a:spcAft>
+                <a:spcPct val="0"/>
+              </a:spcAft>
+              <a:buChar char="•"/>
+              <a:defRPr sz="2800" kern="1200">
+                <a:solidFill>
+                  <a:schemeClr val="accent2"/>
+                </a:solidFill>
+                <a:latin typeface="+mn-lt"/>
+                <a:ea typeface="+mn-ea"/>
+                <a:cs typeface="+mn-cs"/>
+              </a:defRPr>
+            </a:lvl1pPr>
+            <a:lvl2pPr marL="742950" indent="-285750" algn="l" rtl="0" fontAlgn="base">
+              <a:spcBef>
+                <a:spcPct val="20000"/>
+              </a:spcBef>
+              <a:spcAft>
+                <a:spcPct val="0"/>
+              </a:spcAft>
+              <a:buChar char="–"/>
+              <a:defRPr sz="2400" kern="1200">
+                <a:solidFill>
+                  <a:schemeClr val="tx1"/>
+                </a:solidFill>
+                <a:latin typeface="+mn-lt"/>
+                <a:ea typeface="+mn-ea"/>
+                <a:cs typeface="+mn-cs"/>
+              </a:defRPr>
+            </a:lvl2pPr>
+            <a:lvl3pPr marL="1143000" indent="-228600" algn="l" rtl="0" fontAlgn="base">
+              <a:spcBef>
+                <a:spcPct val="20000"/>
+              </a:spcBef>
+              <a:spcAft>
+                <a:spcPct val="0"/>
+              </a:spcAft>
+              <a:buChar char="•"/>
+              <a:defRPr sz="2000" kern="1200">
+                <a:solidFill>
+                  <a:schemeClr val="accent2"/>
+                </a:solidFill>
+                <a:latin typeface="+mn-lt"/>
+                <a:ea typeface="+mn-ea"/>
+                <a:cs typeface="+mn-cs"/>
+              </a:defRPr>
+            </a:lvl3pPr>
+            <a:lvl4pPr marL="1600200" indent="-228600" algn="l" rtl="0" fontAlgn="base">
+              <a:spcBef>
+                <a:spcPct val="20000"/>
+              </a:spcBef>
+              <a:spcAft>
+                <a:spcPct val="0"/>
+              </a:spcAft>
+              <a:buChar char="–"/>
+              <a:defRPr kern="1200">
+                <a:solidFill>
+                  <a:schemeClr val="tx1"/>
+                </a:solidFill>
+                <a:latin typeface="+mn-lt"/>
+                <a:ea typeface="+mn-ea"/>
+                <a:cs typeface="+mn-cs"/>
+              </a:defRPr>
+            </a:lvl4pPr>
+            <a:lvl5pPr marL="2057400" indent="-228600" algn="l" rtl="0" fontAlgn="base">
+              <a:spcBef>
+                <a:spcPct val="20000"/>
+              </a:spcBef>
+              <a:spcAft>
+                <a:spcPct val="0"/>
+              </a:spcAft>
+              <a:buChar char="»"/>
+              <a:defRPr sz="1600" kern="1200">
+                <a:solidFill>
+                  <a:schemeClr val="tx1"/>
+                </a:solidFill>
+                <a:latin typeface="+mn-lt"/>
+                <a:ea typeface="+mn-ea"/>
+                <a:cs typeface="+mn-cs"/>
+              </a:defRPr>
+            </a:lvl5pPr>
+            <a:lvl6pPr marL="2514600" indent="-228600" algn="l" defTabSz="914400" rtl="0" eaLnBrk="1" latinLnBrk="0" hangingPunct="1">
+              <a:lnSpc>
+                <a:spcPct val="90000"/>
+              </a:lnSpc>
+              <a:spcBef>
+                <a:spcPts val="500"/>
+              </a:spcBef>
+              <a:buFont typeface="Arial" panose="020B0604020202020204" pitchFamily="34" charset="0"/>
+              <a:buChar char="•"/>
+              <a:defRPr sz="1800" kern="1200">
+                <a:solidFill>
+                  <a:schemeClr val="tx1"/>
+                </a:solidFill>
+                <a:latin typeface="+mn-lt"/>
+                <a:ea typeface="+mn-ea"/>
+                <a:cs typeface="+mn-cs"/>
+              </a:defRPr>
+            </a:lvl6pPr>
+            <a:lvl7pPr marL="2971800" indent="-228600" algn="l" defTabSz="914400" rtl="0" eaLnBrk="1" latinLnBrk="0" hangingPunct="1">
+              <a:lnSpc>
+                <a:spcPct val="90000"/>
+              </a:lnSpc>
+              <a:spcBef>
+                <a:spcPts val="500"/>
+              </a:spcBef>
+              <a:buFont typeface="Arial" panose="020B0604020202020204" pitchFamily="34" charset="0"/>
+              <a:buChar char="•"/>
+              <a:defRPr sz="1800" kern="1200">
+                <a:solidFill>
+                  <a:schemeClr val="tx1"/>
+                </a:solidFill>
+                <a:latin typeface="+mn-lt"/>
+                <a:ea typeface="+mn-ea"/>
+                <a:cs typeface="+mn-cs"/>
+              </a:defRPr>
+            </a:lvl7pPr>
+            <a:lvl8pPr marL="3429000" indent="-228600" algn="l" defTabSz="914400" rtl="0" eaLnBrk="1" latinLnBrk="0" hangingPunct="1">
+              <a:lnSpc>
+                <a:spcPct val="90000"/>
+              </a:lnSpc>
+              <a:spcBef>
+                <a:spcPts val="500"/>
+              </a:spcBef>
+              <a:buFont typeface="Arial" panose="020B0604020202020204" pitchFamily="34" charset="0"/>
+              <a:buChar char="•"/>
+              <a:defRPr sz="1800" kern="1200">
+                <a:solidFill>
+                  <a:schemeClr val="tx1"/>
+                </a:solidFill>
+                <a:latin typeface="+mn-lt"/>
+                <a:ea typeface="+mn-ea"/>
+                <a:cs typeface="+mn-cs"/>
+              </a:defRPr>
+            </a:lvl8pPr>
+            <a:lvl9pPr marL="3886200" indent="-228600" algn="l" defTabSz="914400" rtl="0" eaLnBrk="1" latinLnBrk="0" hangingPunct="1">
+              <a:lnSpc>
+                <a:spcPct val="90000"/>
+              </a:lnSpc>
+              <a:spcBef>
+                <a:spcPts val="500"/>
+              </a:spcBef>
+              <a:buFont typeface="Arial" panose="020B0604020202020204" pitchFamily="34" charset="0"/>
+              <a:buChar char="•"/>
+              <a:defRPr sz="1800" kern="1200">
+                <a:solidFill>
+                  <a:schemeClr val="tx1"/>
+                </a:solidFill>
+                <a:latin typeface="+mn-lt"/>
+                <a:ea typeface="+mn-ea"/>
+                <a:cs typeface="+mn-cs"/>
+              </a:defRPr>
+            </a:lvl9pPr>
+          </a:lstStyle>
+          <a:p>
+            <a:pPr marL="533400" indent="-533400" defTabSz="914400">
+              <a:lnSpc>
+                <a:spcPct val="120000"/>
+              </a:lnSpc>
+              <a:defRPr/>
+            </a:pPr>
+            <a:r>
+              <a:rPr lang="en-US" altLang="en-US" sz="2400" dirty="0">
+                <a:solidFill>
+                  <a:schemeClr val="tx1"/>
+                </a:solidFill>
+                <a:latin typeface="Garamond" panose="02020404030301010803" pitchFamily="18" charset="0"/>
+              </a:rPr>
+              <a:t>Quick Sort is fast in practice but has 𝜃(𝑁</a:t>
+            </a:r>
+            <a:r>
+              <a:rPr lang="en-US" altLang="en-US" sz="2400" baseline="30000" dirty="0">
+                <a:solidFill>
+                  <a:schemeClr val="tx1"/>
+                </a:solidFill>
+                <a:latin typeface="Garamond" panose="02020404030301010803" pitchFamily="18" charset="0"/>
+              </a:rPr>
+              <a:t>2</a:t>
+            </a:r>
+            <a:r>
+              <a:rPr lang="en-US" altLang="en-US" sz="2400" dirty="0">
+                <a:solidFill>
+                  <a:schemeClr val="tx1"/>
+                </a:solidFill>
+                <a:latin typeface="Garamond" panose="02020404030301010803" pitchFamily="18" charset="0"/>
+              </a:rPr>
+              <a:t>) worst-case complexity</a:t>
+            </a:r>
+          </a:p>
+          <a:p>
+            <a:pPr marL="533400" indent="-533400" defTabSz="914400">
+              <a:lnSpc>
+                <a:spcPct val="120000"/>
+              </a:lnSpc>
+              <a:defRPr/>
+            </a:pPr>
+            <a:endParaRPr lang="en-US" altLang="en-US" sz="2200" dirty="0">
+              <a:solidFill>
+                <a:schemeClr val="tx1"/>
+              </a:solidFill>
+              <a:latin typeface="Garamond" panose="02020404030301010803" pitchFamily="18" charset="0"/>
+            </a:endParaRPr>
+          </a:p>
+          <a:p>
+            <a:pPr marL="533400" indent="-533400" defTabSz="914400">
+              <a:lnSpc>
+                <a:spcPct val="120000"/>
+              </a:lnSpc>
+              <a:defRPr/>
+            </a:pPr>
+            <a:r>
+              <a:rPr lang="en-US" altLang="en-US" sz="2200" dirty="0">
+                <a:solidFill>
+                  <a:schemeClr val="tx1"/>
+                </a:solidFill>
+                <a:latin typeface="Garamond" panose="02020404030301010803" pitchFamily="18" charset="0"/>
+              </a:rPr>
+              <a:t>Pivot is always smallest element, so 𝑖 = 0:</a:t>
+            </a:r>
+          </a:p>
+        </p:txBody>
+      </p:sp>
+      <p:sp>
+        <p:nvSpPr>
+          <p:cNvPr id="7" name="TextBox 6">
+            <a:extLst>
+              <a:ext uri="{FF2B5EF4-FFF2-40B4-BE49-F238E27FC236}">
+                <a16:creationId xmlns:a16="http://schemas.microsoft.com/office/drawing/2014/main" id="{91F36999-74DB-462D-9024-835B72F7F63A}"/>
+              </a:ext>
+            </a:extLst>
+          </p:cNvPr>
+          <p:cNvSpPr txBox="1"/>
+          <p:nvPr/>
+        </p:nvSpPr>
+        <p:spPr>
+          <a:xfrm>
+            <a:off x="1234750" y="3043873"/>
+            <a:ext cx="6295666" cy="807593"/>
+          </a:xfrm>
+          <a:prstGeom prst="rect">
+            <a:avLst/>
+          </a:prstGeom>
+          <a:noFill/>
+        </p:spPr>
+        <p:txBody>
+          <a:bodyPr wrap="square">
+            <a:spAutoFit/>
+          </a:bodyPr>
+          <a:lstStyle/>
+          <a:p>
+            <a:pPr marL="400050" lvl="1" algn="ctr" defTabSz="914400">
+              <a:lnSpc>
+                <a:spcPct val="120000"/>
+              </a:lnSpc>
+              <a:defRPr/>
+            </a:pPr>
+            <a:r>
+              <a:rPr lang="en-US" altLang="en-US" sz="2000" dirty="0">
+                <a:latin typeface="Garamond" panose="02020404030301010803" pitchFamily="18" charset="0"/>
+              </a:rPr>
+              <a:t>T(</a:t>
+            </a:r>
+            <a:r>
+              <a:rPr lang="en-US" altLang="en-US" sz="2000" dirty="0">
+                <a:solidFill>
+                  <a:schemeClr val="tx1"/>
+                </a:solidFill>
+                <a:latin typeface="Garamond" panose="02020404030301010803" pitchFamily="18" charset="0"/>
+              </a:rPr>
+              <a:t>𝑁</a:t>
+            </a:r>
+            <a:r>
+              <a:rPr lang="en-US" altLang="en-US" sz="2000" dirty="0">
+                <a:latin typeface="Garamond" panose="02020404030301010803" pitchFamily="18" charset="0"/>
+              </a:rPr>
+              <a:t>)	 = T(𝑖)+T(</a:t>
+            </a:r>
+            <a:r>
+              <a:rPr lang="en-US" altLang="en-US" sz="2000" dirty="0">
+                <a:solidFill>
+                  <a:schemeClr val="tx1"/>
+                </a:solidFill>
+                <a:latin typeface="Garamond" panose="02020404030301010803" pitchFamily="18" charset="0"/>
+              </a:rPr>
+              <a:t>𝑁 </a:t>
+            </a:r>
+            <a:r>
+              <a:rPr lang="en-US" altLang="en-US" sz="2000" dirty="0">
+                <a:latin typeface="Garamond" panose="02020404030301010803" pitchFamily="18" charset="0"/>
+              </a:rPr>
+              <a:t>- 𝑖 - 1)+ </a:t>
+            </a:r>
+            <a:r>
+              <a:rPr lang="en-US" altLang="en-US" sz="2000" dirty="0" err="1">
+                <a:latin typeface="Garamond" panose="02020404030301010803" pitchFamily="18" charset="0"/>
+              </a:rPr>
+              <a:t>cN</a:t>
+            </a:r>
+            <a:endParaRPr lang="en-US" altLang="en-US" sz="2000" dirty="0">
+              <a:latin typeface="Garamond" panose="02020404030301010803" pitchFamily="18" charset="0"/>
+            </a:endParaRPr>
+          </a:p>
+          <a:p>
+            <a:pPr marL="400050" lvl="1" defTabSz="914400">
+              <a:lnSpc>
+                <a:spcPct val="120000"/>
+              </a:lnSpc>
+              <a:defRPr/>
+            </a:pPr>
+            <a:r>
+              <a:rPr lang="en-US" altLang="en-US" sz="2000" dirty="0">
+                <a:latin typeface="Garamond" panose="02020404030301010803" pitchFamily="18" charset="0"/>
+              </a:rPr>
+              <a:t>		        = T(</a:t>
+            </a:r>
+            <a:r>
+              <a:rPr lang="en-US" altLang="en-US" sz="2000" dirty="0">
+                <a:solidFill>
+                  <a:schemeClr val="tx1"/>
+                </a:solidFill>
+                <a:latin typeface="Garamond" panose="02020404030301010803" pitchFamily="18" charset="0"/>
+              </a:rPr>
+              <a:t>𝑁 </a:t>
+            </a:r>
+            <a:r>
+              <a:rPr lang="en-US" altLang="en-US" sz="2000" dirty="0">
+                <a:latin typeface="Garamond" panose="02020404030301010803" pitchFamily="18" charset="0"/>
+              </a:rPr>
+              <a:t>- 1)+ </a:t>
+            </a:r>
+            <a:r>
+              <a:rPr lang="en-US" altLang="en-US" sz="2000" dirty="0" err="1">
+                <a:latin typeface="Garamond" panose="02020404030301010803" pitchFamily="18" charset="0"/>
+              </a:rPr>
+              <a:t>cN</a:t>
+            </a:r>
+            <a:endParaRPr lang="en-US" altLang="en-US" sz="2000" dirty="0">
+              <a:latin typeface="Garamond" panose="02020404030301010803" pitchFamily="18" charset="0"/>
+            </a:endParaRPr>
+          </a:p>
+        </p:txBody>
+      </p:sp>
+      <p:pic>
+        <p:nvPicPr>
+          <p:cNvPr id="4" name="Picture 3">
+            <a:extLst>
+              <a:ext uri="{FF2B5EF4-FFF2-40B4-BE49-F238E27FC236}">
+                <a16:creationId xmlns:a16="http://schemas.microsoft.com/office/drawing/2014/main" id="{14FEBC5E-9535-4630-9583-DB5AD5E67DED}"/>
+              </a:ext>
+            </a:extLst>
+          </p:cNvPr>
+          <p:cNvPicPr>
+            <a:picLocks noChangeAspect="1"/>
+          </p:cNvPicPr>
+          <p:nvPr/>
+        </p:nvPicPr>
+        <p:blipFill>
+          <a:blip r:embed="rId3"/>
+          <a:stretch>
+            <a:fillRect/>
+          </a:stretch>
+        </p:blipFill>
+        <p:spPr>
+          <a:xfrm>
+            <a:off x="3615690" y="3851466"/>
+            <a:ext cx="2861095" cy="971359"/>
+          </a:xfrm>
+          <a:prstGeom prst="rect">
+            <a:avLst/>
+          </a:prstGeom>
+        </p:spPr>
+      </p:pic>
+    </p:spTree>
+    <p:extLst>
+      <p:ext uri="{BB962C8B-B14F-4D97-AF65-F5344CB8AC3E}">
+        <p14:creationId xmlns:p14="http://schemas.microsoft.com/office/powerpoint/2010/main" val="1185150316"/>
+      </p:ext>
+    </p:extLst>
+  </p:cSld>
+  <p:clrMapOvr>
+    <a:masterClrMapping/>
+  </p:clrMapOvr>
+</p:sld>
+</file>
+
 <file path=ppt/slides/slide4.xml><?xml version="1.0" encoding="utf-8"?>
 <p:sld xmlns:a="http://schemas.openxmlformats.org/drawingml/2006/main" xmlns:r="http://schemas.openxmlformats.org/officeDocument/2006/relationships" xmlns:p="http://schemas.openxmlformats.org/presentationml/2006/main">
   <p:cSld>
@@ -18089,606 +18497,6 @@
                 </a:solidFill>
                 <a:latin typeface="Garamond" panose="02020404030301010803" pitchFamily="18" charset="0"/>
               </a:rPr>
-              <a:t>Quick Sort Worst Case</a:t>
-            </a:r>
-          </a:p>
-        </p:txBody>
-      </p:sp>
-      <p:cxnSp>
-        <p:nvCxnSpPr>
-          <p:cNvPr id="8" name="Straight Connector 7">
-            <a:extLst>
-              <a:ext uri="{FF2B5EF4-FFF2-40B4-BE49-F238E27FC236}">
-                <a16:creationId xmlns:a16="http://schemas.microsoft.com/office/drawing/2014/main" id="{CE2FFFAB-39EF-4ACC-9EF6-A3A1475FC4D4}"/>
-              </a:ext>
-            </a:extLst>
-          </p:cNvPr>
-          <p:cNvCxnSpPr>
-            <a:cxnSpLocks/>
-          </p:cNvCxnSpPr>
-          <p:nvPr/>
-        </p:nvCxnSpPr>
-        <p:spPr>
-          <a:xfrm>
-            <a:off x="228600" y="942486"/>
-            <a:ext cx="8686800" cy="0"/>
-          </a:xfrm>
-          <a:prstGeom prst="line">
-            <a:avLst/>
-          </a:prstGeom>
-          <a:ln w="38100">
-            <a:solidFill>
-              <a:srgbClr val="007B3B"/>
-            </a:solidFill>
-          </a:ln>
-        </p:spPr>
-        <p:style>
-          <a:lnRef idx="1">
-            <a:schemeClr val="accent1"/>
-          </a:lnRef>
-          <a:fillRef idx="0">
-            <a:schemeClr val="accent1"/>
-          </a:fillRef>
-          <a:effectRef idx="0">
-            <a:schemeClr val="accent1"/>
-          </a:effectRef>
-          <a:fontRef idx="minor">
-            <a:schemeClr val="tx1"/>
-          </a:fontRef>
-        </p:style>
-      </p:cxnSp>
-      <p:pic>
-        <p:nvPicPr>
-          <p:cNvPr id="3" name="Picture 2">
-            <a:extLst>
-              <a:ext uri="{FF2B5EF4-FFF2-40B4-BE49-F238E27FC236}">
-                <a16:creationId xmlns:a16="http://schemas.microsoft.com/office/drawing/2014/main" id="{2388FB1D-C248-40EC-A6B4-5C4683E27020}"/>
-              </a:ext>
-            </a:extLst>
-          </p:cNvPr>
-          <p:cNvPicPr>
-            <a:picLocks noChangeAspect="1"/>
-          </p:cNvPicPr>
-          <p:nvPr/>
-        </p:nvPicPr>
-        <p:blipFill>
-          <a:blip r:embed="rId2"/>
-          <a:stretch>
-            <a:fillRect/>
-          </a:stretch>
-        </p:blipFill>
-        <p:spPr>
-          <a:xfrm>
-            <a:off x="0" y="6686056"/>
-            <a:ext cx="9144000" cy="171943"/>
-          </a:xfrm>
-          <a:prstGeom prst="rect">
-            <a:avLst/>
-          </a:prstGeom>
-        </p:spPr>
-      </p:pic>
-      <p:sp>
-        <p:nvSpPr>
-          <p:cNvPr id="9" name="Rectangle 3">
-            <a:extLst>
-              <a:ext uri="{FF2B5EF4-FFF2-40B4-BE49-F238E27FC236}">
-                <a16:creationId xmlns:a16="http://schemas.microsoft.com/office/drawing/2014/main" id="{2198A126-D6F5-4D11-BB3F-8FC06B41937A}"/>
-              </a:ext>
-            </a:extLst>
-          </p:cNvPr>
-          <p:cNvSpPr txBox="1">
-            <a:spLocks noChangeArrowheads="1"/>
-          </p:cNvSpPr>
-          <p:nvPr/>
-        </p:nvSpPr>
-        <p:spPr bwMode="auto">
-          <a:xfrm>
-            <a:off x="507858" y="1084899"/>
-            <a:ext cx="7749451" cy="2009284"/>
-          </a:xfrm>
-          <a:prstGeom prst="rect">
-            <a:avLst/>
-          </a:prstGeom>
-          <a:noFill/>
-          <a:ln>
-            <a:noFill/>
-          </a:ln>
-          <a:effectLst/>
-          <a:extLst>
-            <a:ext uri="{909E8E84-426E-40DD-AFC4-6F175D3DCCD1}">
-              <a14:hiddenFill xmlns:a14="http://schemas.microsoft.com/office/drawing/2010/main">
-                <a:solidFill>
-                  <a:schemeClr val="accent1"/>
-                </a:solidFill>
-              </a14:hiddenFill>
-            </a:ext>
-            <a:ext uri="{91240B29-F687-4F45-9708-019B960494DF}">
-              <a14:hiddenLine xmlns:a14="http://schemas.microsoft.com/office/drawing/2010/main" w="9525">
-                <a:solidFill>
-                  <a:schemeClr val="tx1"/>
-                </a:solidFill>
-                <a:miter lim="800000"/>
-                <a:headEnd/>
-                <a:tailEnd/>
-              </a14:hiddenLine>
-            </a:ext>
-            <a:ext uri="{AF507438-7753-43E0-B8FC-AC1667EBCBE1}">
-              <a14:hiddenEffects xmlns:a14="http://schemas.microsoft.com/office/drawing/2010/main">
-                <a:effectLst>
-                  <a:outerShdw dist="35921" dir="2700000" algn="ctr" rotWithShape="0">
-                    <a:schemeClr val="bg2"/>
-                  </a:outerShdw>
-                </a:effectLst>
-              </a14:hiddenEffects>
-            </a:ext>
-          </a:extLst>
-        </p:spPr>
-        <p:txBody>
-          <a:bodyPr vert="horz" wrap="square" lIns="91440" tIns="45720" rIns="91440" bIns="45720" numCol="1" anchor="t" anchorCtr="0" compatLnSpc="1">
-            <a:prstTxWarp prst="textNoShape">
-              <a:avLst/>
-            </a:prstTxWarp>
-          </a:bodyPr>
-          <a:lstStyle>
-            <a:lvl1pPr marL="342900" indent="-342900" algn="l" rtl="0" fontAlgn="base">
-              <a:spcBef>
-                <a:spcPct val="20000"/>
-              </a:spcBef>
-              <a:spcAft>
-                <a:spcPct val="0"/>
-              </a:spcAft>
-              <a:buChar char="•"/>
-              <a:defRPr sz="2800" kern="1200">
-                <a:solidFill>
-                  <a:schemeClr val="accent2"/>
-                </a:solidFill>
-                <a:latin typeface="+mn-lt"/>
-                <a:ea typeface="+mn-ea"/>
-                <a:cs typeface="+mn-cs"/>
-              </a:defRPr>
-            </a:lvl1pPr>
-            <a:lvl2pPr marL="742950" indent="-285750" algn="l" rtl="0" fontAlgn="base">
-              <a:spcBef>
-                <a:spcPct val="20000"/>
-              </a:spcBef>
-              <a:spcAft>
-                <a:spcPct val="0"/>
-              </a:spcAft>
-              <a:buChar char="–"/>
-              <a:defRPr sz="2400" kern="1200">
-                <a:solidFill>
-                  <a:schemeClr val="tx1"/>
-                </a:solidFill>
-                <a:latin typeface="+mn-lt"/>
-                <a:ea typeface="+mn-ea"/>
-                <a:cs typeface="+mn-cs"/>
-              </a:defRPr>
-            </a:lvl2pPr>
-            <a:lvl3pPr marL="1143000" indent="-228600" algn="l" rtl="0" fontAlgn="base">
-              <a:spcBef>
-                <a:spcPct val="20000"/>
-              </a:spcBef>
-              <a:spcAft>
-                <a:spcPct val="0"/>
-              </a:spcAft>
-              <a:buChar char="•"/>
-              <a:defRPr sz="2000" kern="1200">
-                <a:solidFill>
-                  <a:schemeClr val="accent2"/>
-                </a:solidFill>
-                <a:latin typeface="+mn-lt"/>
-                <a:ea typeface="+mn-ea"/>
-                <a:cs typeface="+mn-cs"/>
-              </a:defRPr>
-            </a:lvl3pPr>
-            <a:lvl4pPr marL="1600200" indent="-228600" algn="l" rtl="0" fontAlgn="base">
-              <a:spcBef>
-                <a:spcPct val="20000"/>
-              </a:spcBef>
-              <a:spcAft>
-                <a:spcPct val="0"/>
-              </a:spcAft>
-              <a:buChar char="–"/>
-              <a:defRPr kern="1200">
-                <a:solidFill>
-                  <a:schemeClr val="tx1"/>
-                </a:solidFill>
-                <a:latin typeface="+mn-lt"/>
-                <a:ea typeface="+mn-ea"/>
-                <a:cs typeface="+mn-cs"/>
-              </a:defRPr>
-            </a:lvl4pPr>
-            <a:lvl5pPr marL="2057400" indent="-228600" algn="l" rtl="0" fontAlgn="base">
-              <a:spcBef>
-                <a:spcPct val="20000"/>
-              </a:spcBef>
-              <a:spcAft>
-                <a:spcPct val="0"/>
-              </a:spcAft>
-              <a:buChar char="»"/>
-              <a:defRPr sz="1600" kern="1200">
-                <a:solidFill>
-                  <a:schemeClr val="tx1"/>
-                </a:solidFill>
-                <a:latin typeface="+mn-lt"/>
-                <a:ea typeface="+mn-ea"/>
-                <a:cs typeface="+mn-cs"/>
-              </a:defRPr>
-            </a:lvl5pPr>
-            <a:lvl6pPr marL="2514600" indent="-228600" algn="l" defTabSz="914400" rtl="0" eaLnBrk="1" latinLnBrk="0" hangingPunct="1">
-              <a:lnSpc>
-                <a:spcPct val="90000"/>
-              </a:lnSpc>
-              <a:spcBef>
-                <a:spcPts val="500"/>
-              </a:spcBef>
-              <a:buFont typeface="Arial" panose="020B0604020202020204" pitchFamily="34" charset="0"/>
-              <a:buChar char="•"/>
-              <a:defRPr sz="1800" kern="1200">
-                <a:solidFill>
-                  <a:schemeClr val="tx1"/>
-                </a:solidFill>
-                <a:latin typeface="+mn-lt"/>
-                <a:ea typeface="+mn-ea"/>
-                <a:cs typeface="+mn-cs"/>
-              </a:defRPr>
-            </a:lvl6pPr>
-            <a:lvl7pPr marL="2971800" indent="-228600" algn="l" defTabSz="914400" rtl="0" eaLnBrk="1" latinLnBrk="0" hangingPunct="1">
-              <a:lnSpc>
-                <a:spcPct val="90000"/>
-              </a:lnSpc>
-              <a:spcBef>
-                <a:spcPts val="500"/>
-              </a:spcBef>
-              <a:buFont typeface="Arial" panose="020B0604020202020204" pitchFamily="34" charset="0"/>
-              <a:buChar char="•"/>
-              <a:defRPr sz="1800" kern="1200">
-                <a:solidFill>
-                  <a:schemeClr val="tx1"/>
-                </a:solidFill>
-                <a:latin typeface="+mn-lt"/>
-                <a:ea typeface="+mn-ea"/>
-                <a:cs typeface="+mn-cs"/>
-              </a:defRPr>
-            </a:lvl7pPr>
-            <a:lvl8pPr marL="3429000" indent="-228600" algn="l" defTabSz="914400" rtl="0" eaLnBrk="1" latinLnBrk="0" hangingPunct="1">
-              <a:lnSpc>
-                <a:spcPct val="90000"/>
-              </a:lnSpc>
-              <a:spcBef>
-                <a:spcPts val="500"/>
-              </a:spcBef>
-              <a:buFont typeface="Arial" panose="020B0604020202020204" pitchFamily="34" charset="0"/>
-              <a:buChar char="•"/>
-              <a:defRPr sz="1800" kern="1200">
-                <a:solidFill>
-                  <a:schemeClr val="tx1"/>
-                </a:solidFill>
-                <a:latin typeface="+mn-lt"/>
-                <a:ea typeface="+mn-ea"/>
-                <a:cs typeface="+mn-cs"/>
-              </a:defRPr>
-            </a:lvl8pPr>
-            <a:lvl9pPr marL="3886200" indent="-228600" algn="l" defTabSz="914400" rtl="0" eaLnBrk="1" latinLnBrk="0" hangingPunct="1">
-              <a:lnSpc>
-                <a:spcPct val="90000"/>
-              </a:lnSpc>
-              <a:spcBef>
-                <a:spcPts val="500"/>
-              </a:spcBef>
-              <a:buFont typeface="Arial" panose="020B0604020202020204" pitchFamily="34" charset="0"/>
-              <a:buChar char="•"/>
-              <a:defRPr sz="1800" kern="1200">
-                <a:solidFill>
-                  <a:schemeClr val="tx1"/>
-                </a:solidFill>
-                <a:latin typeface="+mn-lt"/>
-                <a:ea typeface="+mn-ea"/>
-                <a:cs typeface="+mn-cs"/>
-              </a:defRPr>
-            </a:lvl9pPr>
-          </a:lstStyle>
-          <a:p>
-            <a:pPr marL="533400" indent="-533400" defTabSz="914400">
-              <a:lnSpc>
-                <a:spcPct val="120000"/>
-              </a:lnSpc>
-              <a:defRPr/>
-            </a:pPr>
-            <a:r>
-              <a:rPr lang="en-US" altLang="en-US" sz="2400" dirty="0">
-                <a:solidFill>
-                  <a:schemeClr val="tx1"/>
-                </a:solidFill>
-                <a:latin typeface="Garamond" panose="02020404030301010803" pitchFamily="18" charset="0"/>
-              </a:rPr>
-              <a:t>Quick Sort is fast in practice but has 𝜃(𝑁</a:t>
-            </a:r>
-            <a:r>
-              <a:rPr lang="en-US" altLang="en-US" sz="2400" baseline="30000" dirty="0">
-                <a:solidFill>
-                  <a:schemeClr val="tx1"/>
-                </a:solidFill>
-                <a:latin typeface="Garamond" panose="02020404030301010803" pitchFamily="18" charset="0"/>
-              </a:rPr>
-              <a:t>2</a:t>
-            </a:r>
-            <a:r>
-              <a:rPr lang="en-US" altLang="en-US" sz="2400" dirty="0">
-                <a:solidFill>
-                  <a:schemeClr val="tx1"/>
-                </a:solidFill>
-                <a:latin typeface="Garamond" panose="02020404030301010803" pitchFamily="18" charset="0"/>
-              </a:rPr>
-              <a:t>) worst-case complexity</a:t>
-            </a:r>
-          </a:p>
-          <a:p>
-            <a:pPr marL="533400" indent="-533400" defTabSz="914400">
-              <a:lnSpc>
-                <a:spcPct val="120000"/>
-              </a:lnSpc>
-              <a:defRPr/>
-            </a:pPr>
-            <a:endParaRPr lang="en-US" altLang="en-US" sz="2200" dirty="0">
-              <a:solidFill>
-                <a:schemeClr val="tx1"/>
-              </a:solidFill>
-              <a:latin typeface="Garamond" panose="02020404030301010803" pitchFamily="18" charset="0"/>
-            </a:endParaRPr>
-          </a:p>
-          <a:p>
-            <a:pPr marL="533400" indent="-533400" defTabSz="914400">
-              <a:lnSpc>
-                <a:spcPct val="120000"/>
-              </a:lnSpc>
-              <a:defRPr/>
-            </a:pPr>
-            <a:r>
-              <a:rPr lang="en-US" altLang="en-US" sz="2200" dirty="0">
-                <a:solidFill>
-                  <a:schemeClr val="tx1"/>
-                </a:solidFill>
-                <a:latin typeface="Garamond" panose="02020404030301010803" pitchFamily="18" charset="0"/>
-              </a:rPr>
-              <a:t>Pivot is always smallest element, so 𝑖 = 0:</a:t>
-            </a:r>
-          </a:p>
-        </p:txBody>
-      </p:sp>
-      <p:sp>
-        <p:nvSpPr>
-          <p:cNvPr id="7" name="TextBox 6">
-            <a:extLst>
-              <a:ext uri="{FF2B5EF4-FFF2-40B4-BE49-F238E27FC236}">
-                <a16:creationId xmlns:a16="http://schemas.microsoft.com/office/drawing/2014/main" id="{91F36999-74DB-462D-9024-835B72F7F63A}"/>
-              </a:ext>
-            </a:extLst>
-          </p:cNvPr>
-          <p:cNvSpPr txBox="1"/>
-          <p:nvPr/>
-        </p:nvSpPr>
-        <p:spPr>
-          <a:xfrm>
-            <a:off x="1234750" y="3043873"/>
-            <a:ext cx="6295666" cy="807593"/>
-          </a:xfrm>
-          <a:prstGeom prst="rect">
-            <a:avLst/>
-          </a:prstGeom>
-          <a:noFill/>
-        </p:spPr>
-        <p:txBody>
-          <a:bodyPr wrap="square">
-            <a:spAutoFit/>
-          </a:bodyPr>
-          <a:lstStyle/>
-          <a:p>
-            <a:pPr marL="400050" lvl="1" algn="ctr" defTabSz="914400">
-              <a:lnSpc>
-                <a:spcPct val="120000"/>
-              </a:lnSpc>
-              <a:defRPr/>
-            </a:pPr>
-            <a:r>
-              <a:rPr lang="en-US" altLang="en-US" sz="2000" dirty="0">
-                <a:latin typeface="Garamond" panose="02020404030301010803" pitchFamily="18" charset="0"/>
-              </a:rPr>
-              <a:t>T(</a:t>
-            </a:r>
-            <a:r>
-              <a:rPr lang="en-US" altLang="en-US" sz="2000" dirty="0">
-                <a:solidFill>
-                  <a:schemeClr val="tx1"/>
-                </a:solidFill>
-                <a:latin typeface="Garamond" panose="02020404030301010803" pitchFamily="18" charset="0"/>
-              </a:rPr>
-              <a:t>𝑁</a:t>
-            </a:r>
-            <a:r>
-              <a:rPr lang="en-US" altLang="en-US" sz="2000" dirty="0">
-                <a:latin typeface="Garamond" panose="02020404030301010803" pitchFamily="18" charset="0"/>
-              </a:rPr>
-              <a:t>)	 = T(𝑖)+T(</a:t>
-            </a:r>
-            <a:r>
-              <a:rPr lang="en-US" altLang="en-US" sz="2000" dirty="0">
-                <a:solidFill>
-                  <a:schemeClr val="tx1"/>
-                </a:solidFill>
-                <a:latin typeface="Garamond" panose="02020404030301010803" pitchFamily="18" charset="0"/>
-              </a:rPr>
-              <a:t>𝑁 </a:t>
-            </a:r>
-            <a:r>
-              <a:rPr lang="en-US" altLang="en-US" sz="2000" dirty="0">
-                <a:latin typeface="Garamond" panose="02020404030301010803" pitchFamily="18" charset="0"/>
-              </a:rPr>
-              <a:t>- 𝑖 - 1)+ </a:t>
-            </a:r>
-            <a:r>
-              <a:rPr lang="en-US" altLang="en-US" sz="2000" dirty="0" err="1">
-                <a:latin typeface="Garamond" panose="02020404030301010803" pitchFamily="18" charset="0"/>
-              </a:rPr>
-              <a:t>cN</a:t>
-            </a:r>
-            <a:endParaRPr lang="en-US" altLang="en-US" sz="2000" dirty="0">
-              <a:latin typeface="Garamond" panose="02020404030301010803" pitchFamily="18" charset="0"/>
-            </a:endParaRPr>
-          </a:p>
-          <a:p>
-            <a:pPr marL="400050" lvl="1" defTabSz="914400">
-              <a:lnSpc>
-                <a:spcPct val="120000"/>
-              </a:lnSpc>
-              <a:defRPr/>
-            </a:pPr>
-            <a:r>
-              <a:rPr lang="en-US" altLang="en-US" sz="2000" dirty="0">
-                <a:latin typeface="Garamond" panose="02020404030301010803" pitchFamily="18" charset="0"/>
-              </a:rPr>
-              <a:t>		        = T(</a:t>
-            </a:r>
-            <a:r>
-              <a:rPr lang="en-US" altLang="en-US" sz="2000" dirty="0">
-                <a:solidFill>
-                  <a:schemeClr val="tx1"/>
-                </a:solidFill>
-                <a:latin typeface="Garamond" panose="02020404030301010803" pitchFamily="18" charset="0"/>
-              </a:rPr>
-              <a:t>𝑁 </a:t>
-            </a:r>
-            <a:r>
-              <a:rPr lang="en-US" altLang="en-US" sz="2000" dirty="0">
-                <a:latin typeface="Garamond" panose="02020404030301010803" pitchFamily="18" charset="0"/>
-              </a:rPr>
-              <a:t>- 1)+ </a:t>
-            </a:r>
-            <a:r>
-              <a:rPr lang="en-US" altLang="en-US" sz="2000" dirty="0" err="1">
-                <a:latin typeface="Garamond" panose="02020404030301010803" pitchFamily="18" charset="0"/>
-              </a:rPr>
-              <a:t>cN</a:t>
-            </a:r>
-            <a:endParaRPr lang="en-US" altLang="en-US" sz="2000" dirty="0">
-              <a:latin typeface="Garamond" panose="02020404030301010803" pitchFamily="18" charset="0"/>
-            </a:endParaRPr>
-          </a:p>
-        </p:txBody>
-      </p:sp>
-      <p:pic>
-        <p:nvPicPr>
-          <p:cNvPr id="4" name="Picture 3">
-            <a:extLst>
-              <a:ext uri="{FF2B5EF4-FFF2-40B4-BE49-F238E27FC236}">
-                <a16:creationId xmlns:a16="http://schemas.microsoft.com/office/drawing/2014/main" id="{14FEBC5E-9535-4630-9583-DB5AD5E67DED}"/>
-              </a:ext>
-            </a:extLst>
-          </p:cNvPr>
-          <p:cNvPicPr>
-            <a:picLocks noChangeAspect="1"/>
-          </p:cNvPicPr>
-          <p:nvPr/>
-        </p:nvPicPr>
-        <p:blipFill>
-          <a:blip r:embed="rId3"/>
-          <a:stretch>
-            <a:fillRect/>
-          </a:stretch>
-        </p:blipFill>
-        <p:spPr>
-          <a:xfrm>
-            <a:off x="3615690" y="3851466"/>
-            <a:ext cx="2861095" cy="971359"/>
-          </a:xfrm>
-          <a:prstGeom prst="rect">
-            <a:avLst/>
-          </a:prstGeom>
-        </p:spPr>
-      </p:pic>
-    </p:spTree>
-    <p:extLst>
-      <p:ext uri="{BB962C8B-B14F-4D97-AF65-F5344CB8AC3E}">
-        <p14:creationId xmlns:p14="http://schemas.microsoft.com/office/powerpoint/2010/main" val="1185150316"/>
-      </p:ext>
-    </p:extLst>
-  </p:cSld>
-  <p:clrMapOvr>
-    <a:masterClrMapping/>
-  </p:clrMapOvr>
-</p:sld>
-</file>
-
-<file path=ppt/slides/slide41.xml><?xml version="1.0" encoding="utf-8"?>
-<p:sld xmlns:a="http://schemas.openxmlformats.org/drawingml/2006/main" xmlns:r="http://schemas.openxmlformats.org/officeDocument/2006/relationships" xmlns:p="http://schemas.openxmlformats.org/presentationml/2006/main">
-  <p:cSld>
-    <p:spTree>
-      <p:nvGrpSpPr>
-        <p:cNvPr id="1" name=""/>
-        <p:cNvGrpSpPr/>
-        <p:nvPr/>
-      </p:nvGrpSpPr>
-      <p:grpSpPr>
-        <a:xfrm>
-          <a:off x="0" y="0"/>
-          <a:ext cx="0" cy="0"/>
-          <a:chOff x="0" y="0"/>
-          <a:chExt cx="0" cy="0"/>
-        </a:xfrm>
-      </p:grpSpPr>
-      <p:sp>
-        <p:nvSpPr>
-          <p:cNvPr id="6" name="Rectangle 5">
-            <a:extLst>
-              <a:ext uri="{FF2B5EF4-FFF2-40B4-BE49-F238E27FC236}">
-                <a16:creationId xmlns:a16="http://schemas.microsoft.com/office/drawing/2014/main" id="{4CE12115-B5CE-453C-967D-DFFC315D5FB5}"/>
-              </a:ext>
-            </a:extLst>
-          </p:cNvPr>
-          <p:cNvSpPr/>
-          <p:nvPr/>
-        </p:nvSpPr>
-        <p:spPr>
-          <a:xfrm>
-            <a:off x="228600" y="171943"/>
-            <a:ext cx="8686799" cy="765894"/>
-          </a:xfrm>
-          <a:prstGeom prst="rect">
-            <a:avLst/>
-          </a:prstGeom>
-          <a:noFill/>
-          <a:ln>
-            <a:noFill/>
-          </a:ln>
-        </p:spPr>
-        <p:style>
-          <a:lnRef idx="2">
-            <a:schemeClr val="accent1">
-              <a:shade val="50000"/>
-            </a:schemeClr>
-          </a:lnRef>
-          <a:fillRef idx="1">
-            <a:schemeClr val="accent1"/>
-          </a:fillRef>
-          <a:effectRef idx="0">
-            <a:schemeClr val="accent1"/>
-          </a:effectRef>
-          <a:fontRef idx="minor">
-            <a:schemeClr val="lt1"/>
-          </a:fontRef>
-        </p:style>
-        <p:txBody>
-          <a:bodyPr rtlCol="0" anchor="ctr"/>
-          <a:lstStyle/>
-          <a:p>
-            <a:pPr algn="ctr"/>
-            <a:r>
-              <a:rPr lang="en-US" sz="3600" dirty="0">
-                <a:solidFill>
-                  <a:schemeClr val="tx1"/>
-                </a:solidFill>
-                <a:latin typeface="Garamond" panose="02020404030301010803" pitchFamily="18" charset="0"/>
-              </a:rPr>
               <a:t>Quick Sort Best Case</a:t>
             </a:r>
           </a:p>
@@ -19086,7 +18894,7 @@
 </p:sld>
 </file>
 
-<file path=ppt/slides/slide42.xml><?xml version="1.0" encoding="utf-8"?>
+<file path=ppt/slides/slide41.xml><?xml version="1.0" encoding="utf-8"?>
 <p:sld xmlns:a="http://schemas.openxmlformats.org/drawingml/2006/main" xmlns:r="http://schemas.openxmlformats.org/officeDocument/2006/relationships" xmlns:p="http://schemas.openxmlformats.org/presentationml/2006/main">
   <p:cSld>
     <p:spTree>
@@ -19796,7 +19604,7 @@
 </p:sld>
 </file>
 
-<file path=ppt/slides/slide43.xml><?xml version="1.0" encoding="utf-8"?>
+<file path=ppt/slides/slide42.xml><?xml version="1.0" encoding="utf-8"?>
 <p:sld xmlns:a="http://schemas.openxmlformats.org/drawingml/2006/main" xmlns:r="http://schemas.openxmlformats.org/officeDocument/2006/relationships" xmlns:p="http://schemas.openxmlformats.org/presentationml/2006/main">
   <p:cSld>
     <p:spTree>
@@ -20228,7 +20036,7 @@
 </p:sld>
 </file>
 
-<file path=ppt/slides/slide44.xml><?xml version="1.0" encoding="utf-8"?>
+<file path=ppt/slides/slide43.xml><?xml version="1.0" encoding="utf-8"?>
 <p:sld xmlns:a="http://schemas.openxmlformats.org/drawingml/2006/main" xmlns:r="http://schemas.openxmlformats.org/officeDocument/2006/relationships" xmlns:p="http://schemas.openxmlformats.org/presentationml/2006/main">
   <p:cSld>
     <p:spTree>
@@ -20759,7 +20567,7 @@
 </p:sld>
 </file>
 
-<file path=ppt/slides/slide45.xml><?xml version="1.0" encoding="utf-8"?>
+<file path=ppt/slides/slide44.xml><?xml version="1.0" encoding="utf-8"?>
 <p:sld xmlns:a="http://schemas.openxmlformats.org/drawingml/2006/main" xmlns:r="http://schemas.openxmlformats.org/officeDocument/2006/relationships" xmlns:p="http://schemas.openxmlformats.org/presentationml/2006/main">
   <p:cSld>
     <p:spTree>
@@ -21363,7 +21171,7 @@
 </p:sld>
 </file>
 
-<file path=ppt/slides/slide46.xml><?xml version="1.0" encoding="utf-8"?>
+<file path=ppt/slides/slide45.xml><?xml version="1.0" encoding="utf-8"?>
 <p:sld xmlns:a="http://schemas.openxmlformats.org/drawingml/2006/main" xmlns:r="http://schemas.openxmlformats.org/officeDocument/2006/relationships" xmlns:p="http://schemas.openxmlformats.org/presentationml/2006/main">
   <p:cSld>
     <p:spTree>
@@ -21845,7 +21653,7 @@
 </p:sld>
 </file>
 
-<file path=ppt/slides/slide47.xml><?xml version="1.0" encoding="utf-8"?>
+<file path=ppt/slides/slide46.xml><?xml version="1.0" encoding="utf-8"?>
 <p:sld xmlns:a="http://schemas.openxmlformats.org/drawingml/2006/main" xmlns:r="http://schemas.openxmlformats.org/officeDocument/2006/relationships" xmlns:p="http://schemas.openxmlformats.org/presentationml/2006/main">
   <p:cSld>
     <p:spTree>
@@ -22295,7 +22103,7 @@
 </p:sld>
 </file>
 
-<file path=ppt/slides/slide48.xml><?xml version="1.0" encoding="utf-8"?>
+<file path=ppt/slides/slide47.xml><?xml version="1.0" encoding="utf-8"?>
 <p:sld xmlns:a="http://schemas.openxmlformats.org/drawingml/2006/main" xmlns:r="http://schemas.openxmlformats.org/officeDocument/2006/relationships" xmlns:p="http://schemas.openxmlformats.org/presentationml/2006/main">
   <p:cSld>
     <p:spTree>
@@ -23229,7 +23037,7 @@
 </p:sld>
 </file>
 
-<file path=ppt/slides/slide49.xml><?xml version="1.0" encoding="utf-8"?>
+<file path=ppt/slides/slide48.xml><?xml version="1.0" encoding="utf-8"?>
 <p:sld xmlns:a="http://schemas.openxmlformats.org/drawingml/2006/main" xmlns:r="http://schemas.openxmlformats.org/officeDocument/2006/relationships" xmlns:p="http://schemas.openxmlformats.org/presentationml/2006/main">
   <p:cSld>
     <p:spTree>
@@ -23695,6 +23503,490 @@
 </p:sld>
 </file>
 
+<file path=ppt/slides/slide49.xml><?xml version="1.0" encoding="utf-8"?>
+<p:sld xmlns:a="http://schemas.openxmlformats.org/drawingml/2006/main" xmlns:r="http://schemas.openxmlformats.org/officeDocument/2006/relationships" xmlns:p="http://schemas.openxmlformats.org/presentationml/2006/main">
+  <p:cSld>
+    <p:spTree>
+      <p:nvGrpSpPr>
+        <p:cNvPr id="1" name=""/>
+        <p:cNvGrpSpPr/>
+        <p:nvPr/>
+      </p:nvGrpSpPr>
+      <p:grpSpPr>
+        <a:xfrm>
+          <a:off x="0" y="0"/>
+          <a:ext cx="0" cy="0"/>
+          <a:chOff x="0" y="0"/>
+          <a:chExt cx="0" cy="0"/>
+        </a:xfrm>
+      </p:grpSpPr>
+      <p:sp>
+        <p:nvSpPr>
+          <p:cNvPr id="6" name="Rectangle 5">
+            <a:extLst>
+              <a:ext uri="{FF2B5EF4-FFF2-40B4-BE49-F238E27FC236}">
+                <a16:creationId xmlns:a16="http://schemas.microsoft.com/office/drawing/2014/main" id="{4CE12115-B5CE-453C-967D-DFFC315D5FB5}"/>
+              </a:ext>
+            </a:extLst>
+          </p:cNvPr>
+          <p:cNvSpPr/>
+          <p:nvPr/>
+        </p:nvSpPr>
+        <p:spPr>
+          <a:xfrm>
+            <a:off x="228600" y="171943"/>
+            <a:ext cx="8686799" cy="765894"/>
+          </a:xfrm>
+          <a:prstGeom prst="rect">
+            <a:avLst/>
+          </a:prstGeom>
+          <a:noFill/>
+          <a:ln>
+            <a:noFill/>
+          </a:ln>
+        </p:spPr>
+        <p:style>
+          <a:lnRef idx="2">
+            <a:schemeClr val="accent1">
+              <a:shade val="50000"/>
+            </a:schemeClr>
+          </a:lnRef>
+          <a:fillRef idx="1">
+            <a:schemeClr val="accent1"/>
+          </a:fillRef>
+          <a:effectRef idx="0">
+            <a:schemeClr val="accent1"/>
+          </a:effectRef>
+          <a:fontRef idx="minor">
+            <a:schemeClr val="lt1"/>
+          </a:fontRef>
+        </p:style>
+        <p:txBody>
+          <a:bodyPr rtlCol="0" anchor="ctr"/>
+          <a:lstStyle/>
+          <a:p>
+            <a:pPr algn="ctr"/>
+            <a:r>
+              <a:rPr lang="en-US" sz="3600" dirty="0">
+                <a:solidFill>
+                  <a:schemeClr val="tx1"/>
+                </a:solidFill>
+                <a:latin typeface="Garamond" panose="02020404030301010803" pitchFamily="18" charset="0"/>
+              </a:rPr>
+              <a:t>Running time of Radix sort</a:t>
+            </a:r>
+          </a:p>
+        </p:txBody>
+      </p:sp>
+      <p:cxnSp>
+        <p:nvCxnSpPr>
+          <p:cNvPr id="8" name="Straight Connector 7">
+            <a:extLst>
+              <a:ext uri="{FF2B5EF4-FFF2-40B4-BE49-F238E27FC236}">
+                <a16:creationId xmlns:a16="http://schemas.microsoft.com/office/drawing/2014/main" id="{CE2FFFAB-39EF-4ACC-9EF6-A3A1475FC4D4}"/>
+              </a:ext>
+            </a:extLst>
+          </p:cNvPr>
+          <p:cNvCxnSpPr>
+            <a:cxnSpLocks/>
+          </p:cNvCxnSpPr>
+          <p:nvPr/>
+        </p:nvCxnSpPr>
+        <p:spPr>
+          <a:xfrm>
+            <a:off x="228600" y="942486"/>
+            <a:ext cx="8686800" cy="0"/>
+          </a:xfrm>
+          <a:prstGeom prst="line">
+            <a:avLst/>
+          </a:prstGeom>
+          <a:ln w="38100">
+            <a:solidFill>
+              <a:srgbClr val="007B3B"/>
+            </a:solidFill>
+          </a:ln>
+        </p:spPr>
+        <p:style>
+          <a:lnRef idx="1">
+            <a:schemeClr val="accent1"/>
+          </a:lnRef>
+          <a:fillRef idx="0">
+            <a:schemeClr val="accent1"/>
+          </a:fillRef>
+          <a:effectRef idx="0">
+            <a:schemeClr val="accent1"/>
+          </a:effectRef>
+          <a:fontRef idx="minor">
+            <a:schemeClr val="tx1"/>
+          </a:fontRef>
+        </p:style>
+      </p:cxnSp>
+      <p:pic>
+        <p:nvPicPr>
+          <p:cNvPr id="3" name="Picture 2">
+            <a:extLst>
+              <a:ext uri="{FF2B5EF4-FFF2-40B4-BE49-F238E27FC236}">
+                <a16:creationId xmlns:a16="http://schemas.microsoft.com/office/drawing/2014/main" id="{2388FB1D-C248-40EC-A6B4-5C4683E27020}"/>
+              </a:ext>
+            </a:extLst>
+          </p:cNvPr>
+          <p:cNvPicPr>
+            <a:picLocks noChangeAspect="1"/>
+          </p:cNvPicPr>
+          <p:nvPr/>
+        </p:nvPicPr>
+        <p:blipFill>
+          <a:blip r:embed="rId2"/>
+          <a:stretch>
+            <a:fillRect/>
+          </a:stretch>
+        </p:blipFill>
+        <p:spPr>
+          <a:xfrm>
+            <a:off x="0" y="6686056"/>
+            <a:ext cx="9144000" cy="171943"/>
+          </a:xfrm>
+          <a:prstGeom prst="rect">
+            <a:avLst/>
+          </a:prstGeom>
+        </p:spPr>
+      </p:pic>
+      <p:sp>
+        <p:nvSpPr>
+          <p:cNvPr id="9" name="Rectangle 3">
+            <a:extLst>
+              <a:ext uri="{FF2B5EF4-FFF2-40B4-BE49-F238E27FC236}">
+                <a16:creationId xmlns:a16="http://schemas.microsoft.com/office/drawing/2014/main" id="{2198A126-D6F5-4D11-BB3F-8FC06B41937A}"/>
+              </a:ext>
+            </a:extLst>
+          </p:cNvPr>
+          <p:cNvSpPr txBox="1">
+            <a:spLocks noChangeArrowheads="1"/>
+          </p:cNvSpPr>
+          <p:nvPr/>
+        </p:nvSpPr>
+        <p:spPr bwMode="auto">
+          <a:xfrm>
+            <a:off x="507858" y="1084898"/>
+            <a:ext cx="7749451" cy="4650884"/>
+          </a:xfrm>
+          <a:prstGeom prst="rect">
+            <a:avLst/>
+          </a:prstGeom>
+          <a:noFill/>
+          <a:ln>
+            <a:noFill/>
+          </a:ln>
+          <a:effectLst/>
+          <a:extLst>
+            <a:ext uri="{909E8E84-426E-40DD-AFC4-6F175D3DCCD1}">
+              <a14:hiddenFill xmlns:a14="http://schemas.microsoft.com/office/drawing/2010/main">
+                <a:solidFill>
+                  <a:schemeClr val="accent1"/>
+                </a:solidFill>
+              </a14:hiddenFill>
+            </a:ext>
+            <a:ext uri="{91240B29-F687-4F45-9708-019B960494DF}">
+              <a14:hiddenLine xmlns:a14="http://schemas.microsoft.com/office/drawing/2010/main" w="9525">
+                <a:solidFill>
+                  <a:schemeClr val="tx1"/>
+                </a:solidFill>
+                <a:miter lim="800000"/>
+                <a:headEnd/>
+                <a:tailEnd/>
+              </a14:hiddenLine>
+            </a:ext>
+            <a:ext uri="{AF507438-7753-43E0-B8FC-AC1667EBCBE1}">
+              <a14:hiddenEffects xmlns:a14="http://schemas.microsoft.com/office/drawing/2010/main">
+                <a:effectLst>
+                  <a:outerShdw dist="35921" dir="2700000" algn="ctr" rotWithShape="0">
+                    <a:schemeClr val="bg2"/>
+                  </a:outerShdw>
+                </a:effectLst>
+              </a14:hiddenEffects>
+            </a:ext>
+          </a:extLst>
+        </p:spPr>
+        <p:txBody>
+          <a:bodyPr vert="horz" wrap="square" lIns="91440" tIns="45720" rIns="91440" bIns="45720" numCol="1" anchor="t" anchorCtr="0" compatLnSpc="1">
+            <a:prstTxWarp prst="textNoShape">
+              <a:avLst/>
+            </a:prstTxWarp>
+          </a:bodyPr>
+          <a:lstStyle>
+            <a:lvl1pPr marL="342900" indent="-342900" algn="l" rtl="0" fontAlgn="base">
+              <a:spcBef>
+                <a:spcPct val="20000"/>
+              </a:spcBef>
+              <a:spcAft>
+                <a:spcPct val="0"/>
+              </a:spcAft>
+              <a:buChar char="•"/>
+              <a:defRPr sz="2800" kern="1200">
+                <a:solidFill>
+                  <a:schemeClr val="accent2"/>
+                </a:solidFill>
+                <a:latin typeface="+mn-lt"/>
+                <a:ea typeface="+mn-ea"/>
+                <a:cs typeface="+mn-cs"/>
+              </a:defRPr>
+            </a:lvl1pPr>
+            <a:lvl2pPr marL="742950" indent="-285750" algn="l" rtl="0" fontAlgn="base">
+              <a:spcBef>
+                <a:spcPct val="20000"/>
+              </a:spcBef>
+              <a:spcAft>
+                <a:spcPct val="0"/>
+              </a:spcAft>
+              <a:buChar char="–"/>
+              <a:defRPr sz="2400" kern="1200">
+                <a:solidFill>
+                  <a:schemeClr val="tx1"/>
+                </a:solidFill>
+                <a:latin typeface="+mn-lt"/>
+                <a:ea typeface="+mn-ea"/>
+                <a:cs typeface="+mn-cs"/>
+              </a:defRPr>
+            </a:lvl2pPr>
+            <a:lvl3pPr marL="1143000" indent="-228600" algn="l" rtl="0" fontAlgn="base">
+              <a:spcBef>
+                <a:spcPct val="20000"/>
+              </a:spcBef>
+              <a:spcAft>
+                <a:spcPct val="0"/>
+              </a:spcAft>
+              <a:buChar char="•"/>
+              <a:defRPr sz="2000" kern="1200">
+                <a:solidFill>
+                  <a:schemeClr val="accent2"/>
+                </a:solidFill>
+                <a:latin typeface="+mn-lt"/>
+                <a:ea typeface="+mn-ea"/>
+                <a:cs typeface="+mn-cs"/>
+              </a:defRPr>
+            </a:lvl3pPr>
+            <a:lvl4pPr marL="1600200" indent="-228600" algn="l" rtl="0" fontAlgn="base">
+              <a:spcBef>
+                <a:spcPct val="20000"/>
+              </a:spcBef>
+              <a:spcAft>
+                <a:spcPct val="0"/>
+              </a:spcAft>
+              <a:buChar char="–"/>
+              <a:defRPr kern="1200">
+                <a:solidFill>
+                  <a:schemeClr val="tx1"/>
+                </a:solidFill>
+                <a:latin typeface="+mn-lt"/>
+                <a:ea typeface="+mn-ea"/>
+                <a:cs typeface="+mn-cs"/>
+              </a:defRPr>
+            </a:lvl4pPr>
+            <a:lvl5pPr marL="2057400" indent="-228600" algn="l" rtl="0" fontAlgn="base">
+              <a:spcBef>
+                <a:spcPct val="20000"/>
+              </a:spcBef>
+              <a:spcAft>
+                <a:spcPct val="0"/>
+              </a:spcAft>
+              <a:buChar char="»"/>
+              <a:defRPr sz="1600" kern="1200">
+                <a:solidFill>
+                  <a:schemeClr val="tx1"/>
+                </a:solidFill>
+                <a:latin typeface="+mn-lt"/>
+                <a:ea typeface="+mn-ea"/>
+                <a:cs typeface="+mn-cs"/>
+              </a:defRPr>
+            </a:lvl5pPr>
+            <a:lvl6pPr marL="2514600" indent="-228600" algn="l" defTabSz="914400" rtl="0" eaLnBrk="1" latinLnBrk="0" hangingPunct="1">
+              <a:lnSpc>
+                <a:spcPct val="90000"/>
+              </a:lnSpc>
+              <a:spcBef>
+                <a:spcPts val="500"/>
+              </a:spcBef>
+              <a:buFont typeface="Arial" panose="020B0604020202020204" pitchFamily="34" charset="0"/>
+              <a:buChar char="•"/>
+              <a:defRPr sz="1800" kern="1200">
+                <a:solidFill>
+                  <a:schemeClr val="tx1"/>
+                </a:solidFill>
+                <a:latin typeface="+mn-lt"/>
+                <a:ea typeface="+mn-ea"/>
+                <a:cs typeface="+mn-cs"/>
+              </a:defRPr>
+            </a:lvl6pPr>
+            <a:lvl7pPr marL="2971800" indent="-228600" algn="l" defTabSz="914400" rtl="0" eaLnBrk="1" latinLnBrk="0" hangingPunct="1">
+              <a:lnSpc>
+                <a:spcPct val="90000"/>
+              </a:lnSpc>
+              <a:spcBef>
+                <a:spcPts val="500"/>
+              </a:spcBef>
+              <a:buFont typeface="Arial" panose="020B0604020202020204" pitchFamily="34" charset="0"/>
+              <a:buChar char="•"/>
+              <a:defRPr sz="1800" kern="1200">
+                <a:solidFill>
+                  <a:schemeClr val="tx1"/>
+                </a:solidFill>
+                <a:latin typeface="+mn-lt"/>
+                <a:ea typeface="+mn-ea"/>
+                <a:cs typeface="+mn-cs"/>
+              </a:defRPr>
+            </a:lvl7pPr>
+            <a:lvl8pPr marL="3429000" indent="-228600" algn="l" defTabSz="914400" rtl="0" eaLnBrk="1" latinLnBrk="0" hangingPunct="1">
+              <a:lnSpc>
+                <a:spcPct val="90000"/>
+              </a:lnSpc>
+              <a:spcBef>
+                <a:spcPts val="500"/>
+              </a:spcBef>
+              <a:buFont typeface="Arial" panose="020B0604020202020204" pitchFamily="34" charset="0"/>
+              <a:buChar char="•"/>
+              <a:defRPr sz="1800" kern="1200">
+                <a:solidFill>
+                  <a:schemeClr val="tx1"/>
+                </a:solidFill>
+                <a:latin typeface="+mn-lt"/>
+                <a:ea typeface="+mn-ea"/>
+                <a:cs typeface="+mn-cs"/>
+              </a:defRPr>
+            </a:lvl8pPr>
+            <a:lvl9pPr marL="3886200" indent="-228600" algn="l" defTabSz="914400" rtl="0" eaLnBrk="1" latinLnBrk="0" hangingPunct="1">
+              <a:lnSpc>
+                <a:spcPct val="90000"/>
+              </a:lnSpc>
+              <a:spcBef>
+                <a:spcPts val="500"/>
+              </a:spcBef>
+              <a:buFont typeface="Arial" panose="020B0604020202020204" pitchFamily="34" charset="0"/>
+              <a:buChar char="•"/>
+              <a:defRPr sz="1800" kern="1200">
+                <a:solidFill>
+                  <a:schemeClr val="tx1"/>
+                </a:solidFill>
+                <a:latin typeface="+mn-lt"/>
+                <a:ea typeface="+mn-ea"/>
+                <a:cs typeface="+mn-cs"/>
+              </a:defRPr>
+            </a:lvl9pPr>
+          </a:lstStyle>
+          <a:p>
+            <a:pPr marL="533400" indent="-533400" defTabSz="914400">
+              <a:lnSpc>
+                <a:spcPct val="120000"/>
+              </a:lnSpc>
+              <a:defRPr/>
+            </a:pPr>
+            <a:r>
+              <a:rPr lang="en-US" altLang="en-US" sz="2400" dirty="0">
+                <a:solidFill>
+                  <a:schemeClr val="tx1"/>
+                </a:solidFill>
+                <a:latin typeface="Garamond" panose="02020404030301010803" pitchFamily="18" charset="0"/>
+              </a:rPr>
+              <a:t>𝑛 items, 𝑑 digit keys</a:t>
+            </a:r>
+          </a:p>
+          <a:p>
+            <a:pPr marL="533400" indent="-533400" defTabSz="914400">
+              <a:lnSpc>
+                <a:spcPct val="120000"/>
+              </a:lnSpc>
+              <a:defRPr/>
+            </a:pPr>
+            <a:r>
+              <a:rPr lang="en-US" altLang="en-US" sz="2400" dirty="0">
+                <a:solidFill>
+                  <a:schemeClr val="tx1"/>
+                </a:solidFill>
+                <a:latin typeface="Garamond" panose="02020404030301010803" pitchFamily="18" charset="0"/>
+              </a:rPr>
+              <a:t>How many passes?		d</a:t>
+            </a:r>
+          </a:p>
+          <a:p>
+            <a:pPr marL="533400" indent="-533400" defTabSz="914400">
+              <a:lnSpc>
+                <a:spcPct val="120000"/>
+              </a:lnSpc>
+              <a:defRPr/>
+            </a:pPr>
+            <a:r>
+              <a:rPr lang="en-US" altLang="en-US" sz="2400" dirty="0">
+                <a:solidFill>
+                  <a:schemeClr val="tx1"/>
+                </a:solidFill>
+                <a:latin typeface="Garamond" panose="02020404030301010803" pitchFamily="18" charset="0"/>
+              </a:rPr>
+              <a:t>How much work per pass?	n</a:t>
+            </a:r>
+          </a:p>
+          <a:p>
+            <a:pPr marL="533400" indent="-533400" defTabSz="914400">
+              <a:lnSpc>
+                <a:spcPct val="120000"/>
+              </a:lnSpc>
+              <a:defRPr/>
+            </a:pPr>
+            <a:endParaRPr lang="en-US" altLang="en-US" sz="2400" dirty="0">
+              <a:solidFill>
+                <a:schemeClr val="tx1"/>
+              </a:solidFill>
+              <a:latin typeface="Garamond" panose="02020404030301010803" pitchFamily="18" charset="0"/>
+            </a:endParaRPr>
+          </a:p>
+          <a:p>
+            <a:pPr marL="533400" indent="-533400" defTabSz="914400">
+              <a:lnSpc>
+                <a:spcPct val="120000"/>
+              </a:lnSpc>
+              <a:defRPr/>
+            </a:pPr>
+            <a:r>
+              <a:rPr lang="en-US" altLang="en-US" sz="2400" dirty="0">
+                <a:solidFill>
+                  <a:schemeClr val="tx1"/>
+                </a:solidFill>
+                <a:latin typeface="Garamond" panose="02020404030301010803" pitchFamily="18" charset="0"/>
+              </a:rPr>
+              <a:t>Total time?			O(</a:t>
+            </a:r>
+            <a:r>
+              <a:rPr lang="en-US" altLang="en-US" sz="2400" dirty="0" err="1">
+                <a:solidFill>
+                  <a:schemeClr val="tx1"/>
+                </a:solidFill>
+                <a:latin typeface="Garamond" panose="02020404030301010803" pitchFamily="18" charset="0"/>
+              </a:rPr>
+              <a:t>dn</a:t>
+            </a:r>
+            <a:r>
+              <a:rPr lang="en-US" altLang="en-US" sz="2400" dirty="0">
+                <a:solidFill>
+                  <a:schemeClr val="tx1"/>
+                </a:solidFill>
+                <a:latin typeface="Garamond" panose="02020404030301010803" pitchFamily="18" charset="0"/>
+              </a:rPr>
+              <a:t>)</a:t>
+            </a:r>
+          </a:p>
+        </p:txBody>
+      </p:sp>
+    </p:spTree>
+    <p:extLst>
+      <p:ext uri="{BB962C8B-B14F-4D97-AF65-F5344CB8AC3E}">
+        <p14:creationId xmlns:p14="http://schemas.microsoft.com/office/powerpoint/2010/main" val="80750647"/>
+      </p:ext>
+    </p:extLst>
+  </p:cSld>
+  <p:clrMapOvr>
+    <a:masterClrMapping/>
+  </p:clrMapOvr>
+</p:sld>
+</file>
+
 <file path=ppt/slides/slide5.xml><?xml version="1.0" encoding="utf-8"?>
 <p:sld xmlns:a="http://schemas.openxmlformats.org/drawingml/2006/main" xmlns:r="http://schemas.openxmlformats.org/officeDocument/2006/relationships" xmlns:p="http://schemas.openxmlformats.org/presentationml/2006/main">
   <p:cSld>
@@ -24304,490 +24596,6 @@
 </file>
 
 <file path=ppt/slides/slide50.xml><?xml version="1.0" encoding="utf-8"?>
-<p:sld xmlns:a="http://schemas.openxmlformats.org/drawingml/2006/main" xmlns:r="http://schemas.openxmlformats.org/officeDocument/2006/relationships" xmlns:p="http://schemas.openxmlformats.org/presentationml/2006/main">
-  <p:cSld>
-    <p:spTree>
-      <p:nvGrpSpPr>
-        <p:cNvPr id="1" name=""/>
-        <p:cNvGrpSpPr/>
-        <p:nvPr/>
-      </p:nvGrpSpPr>
-      <p:grpSpPr>
-        <a:xfrm>
-          <a:off x="0" y="0"/>
-          <a:ext cx="0" cy="0"/>
-          <a:chOff x="0" y="0"/>
-          <a:chExt cx="0" cy="0"/>
-        </a:xfrm>
-      </p:grpSpPr>
-      <p:sp>
-        <p:nvSpPr>
-          <p:cNvPr id="6" name="Rectangle 5">
-            <a:extLst>
-              <a:ext uri="{FF2B5EF4-FFF2-40B4-BE49-F238E27FC236}">
-                <a16:creationId xmlns:a16="http://schemas.microsoft.com/office/drawing/2014/main" id="{4CE12115-B5CE-453C-967D-DFFC315D5FB5}"/>
-              </a:ext>
-            </a:extLst>
-          </p:cNvPr>
-          <p:cNvSpPr/>
-          <p:nvPr/>
-        </p:nvSpPr>
-        <p:spPr>
-          <a:xfrm>
-            <a:off x="228600" y="171943"/>
-            <a:ext cx="8686799" cy="765894"/>
-          </a:xfrm>
-          <a:prstGeom prst="rect">
-            <a:avLst/>
-          </a:prstGeom>
-          <a:noFill/>
-          <a:ln>
-            <a:noFill/>
-          </a:ln>
-        </p:spPr>
-        <p:style>
-          <a:lnRef idx="2">
-            <a:schemeClr val="accent1">
-              <a:shade val="50000"/>
-            </a:schemeClr>
-          </a:lnRef>
-          <a:fillRef idx="1">
-            <a:schemeClr val="accent1"/>
-          </a:fillRef>
-          <a:effectRef idx="0">
-            <a:schemeClr val="accent1"/>
-          </a:effectRef>
-          <a:fontRef idx="minor">
-            <a:schemeClr val="lt1"/>
-          </a:fontRef>
-        </p:style>
-        <p:txBody>
-          <a:bodyPr rtlCol="0" anchor="ctr"/>
-          <a:lstStyle/>
-          <a:p>
-            <a:pPr algn="ctr"/>
-            <a:r>
-              <a:rPr lang="en-US" sz="3600" dirty="0">
-                <a:solidFill>
-                  <a:schemeClr val="tx1"/>
-                </a:solidFill>
-                <a:latin typeface="Garamond" panose="02020404030301010803" pitchFamily="18" charset="0"/>
-              </a:rPr>
-              <a:t>Running time of Radix sort</a:t>
-            </a:r>
-          </a:p>
-        </p:txBody>
-      </p:sp>
-      <p:cxnSp>
-        <p:nvCxnSpPr>
-          <p:cNvPr id="8" name="Straight Connector 7">
-            <a:extLst>
-              <a:ext uri="{FF2B5EF4-FFF2-40B4-BE49-F238E27FC236}">
-                <a16:creationId xmlns:a16="http://schemas.microsoft.com/office/drawing/2014/main" id="{CE2FFFAB-39EF-4ACC-9EF6-A3A1475FC4D4}"/>
-              </a:ext>
-            </a:extLst>
-          </p:cNvPr>
-          <p:cNvCxnSpPr>
-            <a:cxnSpLocks/>
-          </p:cNvCxnSpPr>
-          <p:nvPr/>
-        </p:nvCxnSpPr>
-        <p:spPr>
-          <a:xfrm>
-            <a:off x="228600" y="942486"/>
-            <a:ext cx="8686800" cy="0"/>
-          </a:xfrm>
-          <a:prstGeom prst="line">
-            <a:avLst/>
-          </a:prstGeom>
-          <a:ln w="38100">
-            <a:solidFill>
-              <a:srgbClr val="007B3B"/>
-            </a:solidFill>
-          </a:ln>
-        </p:spPr>
-        <p:style>
-          <a:lnRef idx="1">
-            <a:schemeClr val="accent1"/>
-          </a:lnRef>
-          <a:fillRef idx="0">
-            <a:schemeClr val="accent1"/>
-          </a:fillRef>
-          <a:effectRef idx="0">
-            <a:schemeClr val="accent1"/>
-          </a:effectRef>
-          <a:fontRef idx="minor">
-            <a:schemeClr val="tx1"/>
-          </a:fontRef>
-        </p:style>
-      </p:cxnSp>
-      <p:pic>
-        <p:nvPicPr>
-          <p:cNvPr id="3" name="Picture 2">
-            <a:extLst>
-              <a:ext uri="{FF2B5EF4-FFF2-40B4-BE49-F238E27FC236}">
-                <a16:creationId xmlns:a16="http://schemas.microsoft.com/office/drawing/2014/main" id="{2388FB1D-C248-40EC-A6B4-5C4683E27020}"/>
-              </a:ext>
-            </a:extLst>
-          </p:cNvPr>
-          <p:cNvPicPr>
-            <a:picLocks noChangeAspect="1"/>
-          </p:cNvPicPr>
-          <p:nvPr/>
-        </p:nvPicPr>
-        <p:blipFill>
-          <a:blip r:embed="rId2"/>
-          <a:stretch>
-            <a:fillRect/>
-          </a:stretch>
-        </p:blipFill>
-        <p:spPr>
-          <a:xfrm>
-            <a:off x="0" y="6686056"/>
-            <a:ext cx="9144000" cy="171943"/>
-          </a:xfrm>
-          <a:prstGeom prst="rect">
-            <a:avLst/>
-          </a:prstGeom>
-        </p:spPr>
-      </p:pic>
-      <p:sp>
-        <p:nvSpPr>
-          <p:cNvPr id="9" name="Rectangle 3">
-            <a:extLst>
-              <a:ext uri="{FF2B5EF4-FFF2-40B4-BE49-F238E27FC236}">
-                <a16:creationId xmlns:a16="http://schemas.microsoft.com/office/drawing/2014/main" id="{2198A126-D6F5-4D11-BB3F-8FC06B41937A}"/>
-              </a:ext>
-            </a:extLst>
-          </p:cNvPr>
-          <p:cNvSpPr txBox="1">
-            <a:spLocks noChangeArrowheads="1"/>
-          </p:cNvSpPr>
-          <p:nvPr/>
-        </p:nvSpPr>
-        <p:spPr bwMode="auto">
-          <a:xfrm>
-            <a:off x="507858" y="1084898"/>
-            <a:ext cx="7749451" cy="4650884"/>
-          </a:xfrm>
-          <a:prstGeom prst="rect">
-            <a:avLst/>
-          </a:prstGeom>
-          <a:noFill/>
-          <a:ln>
-            <a:noFill/>
-          </a:ln>
-          <a:effectLst/>
-          <a:extLst>
-            <a:ext uri="{909E8E84-426E-40DD-AFC4-6F175D3DCCD1}">
-              <a14:hiddenFill xmlns:a14="http://schemas.microsoft.com/office/drawing/2010/main">
-                <a:solidFill>
-                  <a:schemeClr val="accent1"/>
-                </a:solidFill>
-              </a14:hiddenFill>
-            </a:ext>
-            <a:ext uri="{91240B29-F687-4F45-9708-019B960494DF}">
-              <a14:hiddenLine xmlns:a14="http://schemas.microsoft.com/office/drawing/2010/main" w="9525">
-                <a:solidFill>
-                  <a:schemeClr val="tx1"/>
-                </a:solidFill>
-                <a:miter lim="800000"/>
-                <a:headEnd/>
-                <a:tailEnd/>
-              </a14:hiddenLine>
-            </a:ext>
-            <a:ext uri="{AF507438-7753-43E0-B8FC-AC1667EBCBE1}">
-              <a14:hiddenEffects xmlns:a14="http://schemas.microsoft.com/office/drawing/2010/main">
-                <a:effectLst>
-                  <a:outerShdw dist="35921" dir="2700000" algn="ctr" rotWithShape="0">
-                    <a:schemeClr val="bg2"/>
-                  </a:outerShdw>
-                </a:effectLst>
-              </a14:hiddenEffects>
-            </a:ext>
-          </a:extLst>
-        </p:spPr>
-        <p:txBody>
-          <a:bodyPr vert="horz" wrap="square" lIns="91440" tIns="45720" rIns="91440" bIns="45720" numCol="1" anchor="t" anchorCtr="0" compatLnSpc="1">
-            <a:prstTxWarp prst="textNoShape">
-              <a:avLst/>
-            </a:prstTxWarp>
-          </a:bodyPr>
-          <a:lstStyle>
-            <a:lvl1pPr marL="342900" indent="-342900" algn="l" rtl="0" fontAlgn="base">
-              <a:spcBef>
-                <a:spcPct val="20000"/>
-              </a:spcBef>
-              <a:spcAft>
-                <a:spcPct val="0"/>
-              </a:spcAft>
-              <a:buChar char="•"/>
-              <a:defRPr sz="2800" kern="1200">
-                <a:solidFill>
-                  <a:schemeClr val="accent2"/>
-                </a:solidFill>
-                <a:latin typeface="+mn-lt"/>
-                <a:ea typeface="+mn-ea"/>
-                <a:cs typeface="+mn-cs"/>
-              </a:defRPr>
-            </a:lvl1pPr>
-            <a:lvl2pPr marL="742950" indent="-285750" algn="l" rtl="0" fontAlgn="base">
-              <a:spcBef>
-                <a:spcPct val="20000"/>
-              </a:spcBef>
-              <a:spcAft>
-                <a:spcPct val="0"/>
-              </a:spcAft>
-              <a:buChar char="–"/>
-              <a:defRPr sz="2400" kern="1200">
-                <a:solidFill>
-                  <a:schemeClr val="tx1"/>
-                </a:solidFill>
-                <a:latin typeface="+mn-lt"/>
-                <a:ea typeface="+mn-ea"/>
-                <a:cs typeface="+mn-cs"/>
-              </a:defRPr>
-            </a:lvl2pPr>
-            <a:lvl3pPr marL="1143000" indent="-228600" algn="l" rtl="0" fontAlgn="base">
-              <a:spcBef>
-                <a:spcPct val="20000"/>
-              </a:spcBef>
-              <a:spcAft>
-                <a:spcPct val="0"/>
-              </a:spcAft>
-              <a:buChar char="•"/>
-              <a:defRPr sz="2000" kern="1200">
-                <a:solidFill>
-                  <a:schemeClr val="accent2"/>
-                </a:solidFill>
-                <a:latin typeface="+mn-lt"/>
-                <a:ea typeface="+mn-ea"/>
-                <a:cs typeface="+mn-cs"/>
-              </a:defRPr>
-            </a:lvl3pPr>
-            <a:lvl4pPr marL="1600200" indent="-228600" algn="l" rtl="0" fontAlgn="base">
-              <a:spcBef>
-                <a:spcPct val="20000"/>
-              </a:spcBef>
-              <a:spcAft>
-                <a:spcPct val="0"/>
-              </a:spcAft>
-              <a:buChar char="–"/>
-              <a:defRPr kern="1200">
-                <a:solidFill>
-                  <a:schemeClr val="tx1"/>
-                </a:solidFill>
-                <a:latin typeface="+mn-lt"/>
-                <a:ea typeface="+mn-ea"/>
-                <a:cs typeface="+mn-cs"/>
-              </a:defRPr>
-            </a:lvl4pPr>
-            <a:lvl5pPr marL="2057400" indent="-228600" algn="l" rtl="0" fontAlgn="base">
-              <a:spcBef>
-                <a:spcPct val="20000"/>
-              </a:spcBef>
-              <a:spcAft>
-                <a:spcPct val="0"/>
-              </a:spcAft>
-              <a:buChar char="»"/>
-              <a:defRPr sz="1600" kern="1200">
-                <a:solidFill>
-                  <a:schemeClr val="tx1"/>
-                </a:solidFill>
-                <a:latin typeface="+mn-lt"/>
-                <a:ea typeface="+mn-ea"/>
-                <a:cs typeface="+mn-cs"/>
-              </a:defRPr>
-            </a:lvl5pPr>
-            <a:lvl6pPr marL="2514600" indent="-228600" algn="l" defTabSz="914400" rtl="0" eaLnBrk="1" latinLnBrk="0" hangingPunct="1">
-              <a:lnSpc>
-                <a:spcPct val="90000"/>
-              </a:lnSpc>
-              <a:spcBef>
-                <a:spcPts val="500"/>
-              </a:spcBef>
-              <a:buFont typeface="Arial" panose="020B0604020202020204" pitchFamily="34" charset="0"/>
-              <a:buChar char="•"/>
-              <a:defRPr sz="1800" kern="1200">
-                <a:solidFill>
-                  <a:schemeClr val="tx1"/>
-                </a:solidFill>
-                <a:latin typeface="+mn-lt"/>
-                <a:ea typeface="+mn-ea"/>
-                <a:cs typeface="+mn-cs"/>
-              </a:defRPr>
-            </a:lvl6pPr>
-            <a:lvl7pPr marL="2971800" indent="-228600" algn="l" defTabSz="914400" rtl="0" eaLnBrk="1" latinLnBrk="0" hangingPunct="1">
-              <a:lnSpc>
-                <a:spcPct val="90000"/>
-              </a:lnSpc>
-              <a:spcBef>
-                <a:spcPts val="500"/>
-              </a:spcBef>
-              <a:buFont typeface="Arial" panose="020B0604020202020204" pitchFamily="34" charset="0"/>
-              <a:buChar char="•"/>
-              <a:defRPr sz="1800" kern="1200">
-                <a:solidFill>
-                  <a:schemeClr val="tx1"/>
-                </a:solidFill>
-                <a:latin typeface="+mn-lt"/>
-                <a:ea typeface="+mn-ea"/>
-                <a:cs typeface="+mn-cs"/>
-              </a:defRPr>
-            </a:lvl7pPr>
-            <a:lvl8pPr marL="3429000" indent="-228600" algn="l" defTabSz="914400" rtl="0" eaLnBrk="1" latinLnBrk="0" hangingPunct="1">
-              <a:lnSpc>
-                <a:spcPct val="90000"/>
-              </a:lnSpc>
-              <a:spcBef>
-                <a:spcPts val="500"/>
-              </a:spcBef>
-              <a:buFont typeface="Arial" panose="020B0604020202020204" pitchFamily="34" charset="0"/>
-              <a:buChar char="•"/>
-              <a:defRPr sz="1800" kern="1200">
-                <a:solidFill>
-                  <a:schemeClr val="tx1"/>
-                </a:solidFill>
-                <a:latin typeface="+mn-lt"/>
-                <a:ea typeface="+mn-ea"/>
-                <a:cs typeface="+mn-cs"/>
-              </a:defRPr>
-            </a:lvl8pPr>
-            <a:lvl9pPr marL="3886200" indent="-228600" algn="l" defTabSz="914400" rtl="0" eaLnBrk="1" latinLnBrk="0" hangingPunct="1">
-              <a:lnSpc>
-                <a:spcPct val="90000"/>
-              </a:lnSpc>
-              <a:spcBef>
-                <a:spcPts val="500"/>
-              </a:spcBef>
-              <a:buFont typeface="Arial" panose="020B0604020202020204" pitchFamily="34" charset="0"/>
-              <a:buChar char="•"/>
-              <a:defRPr sz="1800" kern="1200">
-                <a:solidFill>
-                  <a:schemeClr val="tx1"/>
-                </a:solidFill>
-                <a:latin typeface="+mn-lt"/>
-                <a:ea typeface="+mn-ea"/>
-                <a:cs typeface="+mn-cs"/>
-              </a:defRPr>
-            </a:lvl9pPr>
-          </a:lstStyle>
-          <a:p>
-            <a:pPr marL="533400" indent="-533400" defTabSz="914400">
-              <a:lnSpc>
-                <a:spcPct val="120000"/>
-              </a:lnSpc>
-              <a:defRPr/>
-            </a:pPr>
-            <a:r>
-              <a:rPr lang="en-US" altLang="en-US" sz="2400" dirty="0">
-                <a:solidFill>
-                  <a:schemeClr val="tx1"/>
-                </a:solidFill>
-                <a:latin typeface="Garamond" panose="02020404030301010803" pitchFamily="18" charset="0"/>
-              </a:rPr>
-              <a:t>𝑛 items, 𝑑 digit keys</a:t>
-            </a:r>
-          </a:p>
-          <a:p>
-            <a:pPr marL="533400" indent="-533400" defTabSz="914400">
-              <a:lnSpc>
-                <a:spcPct val="120000"/>
-              </a:lnSpc>
-              <a:defRPr/>
-            </a:pPr>
-            <a:r>
-              <a:rPr lang="en-US" altLang="en-US" sz="2400" dirty="0">
-                <a:solidFill>
-                  <a:schemeClr val="tx1"/>
-                </a:solidFill>
-                <a:latin typeface="Garamond" panose="02020404030301010803" pitchFamily="18" charset="0"/>
-              </a:rPr>
-              <a:t>How many passes?		d</a:t>
-            </a:r>
-          </a:p>
-          <a:p>
-            <a:pPr marL="533400" indent="-533400" defTabSz="914400">
-              <a:lnSpc>
-                <a:spcPct val="120000"/>
-              </a:lnSpc>
-              <a:defRPr/>
-            </a:pPr>
-            <a:r>
-              <a:rPr lang="en-US" altLang="en-US" sz="2400" dirty="0">
-                <a:solidFill>
-                  <a:schemeClr val="tx1"/>
-                </a:solidFill>
-                <a:latin typeface="Garamond" panose="02020404030301010803" pitchFamily="18" charset="0"/>
-              </a:rPr>
-              <a:t>How much work per pass?	n</a:t>
-            </a:r>
-          </a:p>
-          <a:p>
-            <a:pPr marL="533400" indent="-533400" defTabSz="914400">
-              <a:lnSpc>
-                <a:spcPct val="120000"/>
-              </a:lnSpc>
-              <a:defRPr/>
-            </a:pPr>
-            <a:endParaRPr lang="en-US" altLang="en-US" sz="2400" dirty="0">
-              <a:solidFill>
-                <a:schemeClr val="tx1"/>
-              </a:solidFill>
-              <a:latin typeface="Garamond" panose="02020404030301010803" pitchFamily="18" charset="0"/>
-            </a:endParaRPr>
-          </a:p>
-          <a:p>
-            <a:pPr marL="533400" indent="-533400" defTabSz="914400">
-              <a:lnSpc>
-                <a:spcPct val="120000"/>
-              </a:lnSpc>
-              <a:defRPr/>
-            </a:pPr>
-            <a:r>
-              <a:rPr lang="en-US" altLang="en-US" sz="2400" dirty="0">
-                <a:solidFill>
-                  <a:schemeClr val="tx1"/>
-                </a:solidFill>
-                <a:latin typeface="Garamond" panose="02020404030301010803" pitchFamily="18" charset="0"/>
-              </a:rPr>
-              <a:t>Total time?			O(</a:t>
-            </a:r>
-            <a:r>
-              <a:rPr lang="en-US" altLang="en-US" sz="2400" dirty="0" err="1">
-                <a:solidFill>
-                  <a:schemeClr val="tx1"/>
-                </a:solidFill>
-                <a:latin typeface="Garamond" panose="02020404030301010803" pitchFamily="18" charset="0"/>
-              </a:rPr>
-              <a:t>dn</a:t>
-            </a:r>
-            <a:r>
-              <a:rPr lang="en-US" altLang="en-US" sz="2400" dirty="0">
-                <a:solidFill>
-                  <a:schemeClr val="tx1"/>
-                </a:solidFill>
-                <a:latin typeface="Garamond" panose="02020404030301010803" pitchFamily="18" charset="0"/>
-              </a:rPr>
-              <a:t>)</a:t>
-            </a:r>
-          </a:p>
-        </p:txBody>
-      </p:sp>
-    </p:spTree>
-    <p:extLst>
-      <p:ext uri="{BB962C8B-B14F-4D97-AF65-F5344CB8AC3E}">
-        <p14:creationId xmlns:p14="http://schemas.microsoft.com/office/powerpoint/2010/main" val="80750647"/>
-      </p:ext>
-    </p:extLst>
-  </p:cSld>
-  <p:clrMapOvr>
-    <a:masterClrMapping/>
-  </p:clrMapOvr>
-</p:sld>
-</file>
-
-<file path=ppt/slides/slide51.xml><?xml version="1.0" encoding="utf-8"?>
 <p:sld xmlns:a="http://schemas.openxmlformats.org/drawingml/2006/main" xmlns:r="http://schemas.openxmlformats.org/officeDocument/2006/relationships" xmlns:p="http://schemas.openxmlformats.org/presentationml/2006/main">
   <p:cSld>
     <p:spTree>
@@ -27741,7 +27549,7 @@
 </p:sld>
 </file>
 
-<file path=ppt/slides/slide52.xml><?xml version="1.0" encoding="utf-8"?>
+<file path=ppt/slides/slide51.xml><?xml version="1.0" encoding="utf-8"?>
 <p:sld xmlns:a="http://schemas.openxmlformats.org/drawingml/2006/main" xmlns:r="http://schemas.openxmlformats.org/officeDocument/2006/relationships" xmlns:p="http://schemas.openxmlformats.org/presentationml/2006/main">
   <p:cSld>
     <p:spTree>
